--- a/R/tsm.pptx
+++ b/R/tsm.pptx
@@ -11,6 +11,26 @@
     <p:sldId id="259" r:id="rId5"/>
     <p:sldId id="260" r:id="rId6"/>
     <p:sldId id="261" r:id="rId7"/>
+    <p:sldId id="262" r:id="rId8"/>
+    <p:sldId id="263" r:id="rId9"/>
+    <p:sldId id="264" r:id="rId10"/>
+    <p:sldId id="265" r:id="rId11"/>
+    <p:sldId id="266" r:id="rId12"/>
+    <p:sldId id="267" r:id="rId13"/>
+    <p:sldId id="268" r:id="rId14"/>
+    <p:sldId id="269" r:id="rId15"/>
+    <p:sldId id="270" r:id="rId16"/>
+    <p:sldId id="271" r:id="rId17"/>
+    <p:sldId id="272" r:id="rId18"/>
+    <p:sldId id="273" r:id="rId19"/>
+    <p:sldId id="274" r:id="rId20"/>
+    <p:sldId id="275" r:id="rId21"/>
+    <p:sldId id="276" r:id="rId22"/>
+    <p:sldId id="277" r:id="rId23"/>
+    <p:sldId id="278" r:id="rId24"/>
+    <p:sldId id="279" r:id="rId25"/>
+    <p:sldId id="280" r:id="rId26"/>
+    <p:sldId id="281" r:id="rId27"/>
   </p:sldIdLst>
   <p:sldSz cx="9144000" cy="6858000" type="screen4x3"/>
   <p:notesSz cx="6858000" cy="9144000"/>
@@ -3248,7 +3268,7 @@
 </p:sld>
 </file>
 
-<file path=ppt/slides/slide2.xml><?xml version="1.0" encoding="utf-8"?>
+<file path=ppt/slides/slide10.xml><?xml version="1.0" encoding="utf-8"?>
 <p:sld xmlns:a="http://schemas.openxmlformats.org/drawingml/2006/main" xmlns:r="http://schemas.openxmlformats.org/officeDocument/2006/relationships" xmlns:p="http://schemas.openxmlformats.org/presentationml/2006/main">
   <p:cSld>
     <p:spTree>
@@ -3267,12 +3287,12 @@
       </p:grpSpPr>
       <p:sp>
         <p:nvSpPr>
-          <p:cNvPr id="2" name="Title 1"/>
-          <p:cNvSpPr>
-            <a:spLocks noGrp="1"/>
-          </p:cNvSpPr>
-          <p:nvPr>
-            <p:ph type="title"/>
+          <p:cNvPr id="3" name="Content Placeholder 2"/>
+          <p:cNvSpPr>
+            <a:spLocks noGrp="1"/>
+          </p:cNvSpPr>
+          <p:nvPr>
+            <p:ph idx="1"/>
           </p:nvPr>
         </p:nvSpPr>
         <p:spPr/>
@@ -3281,36 +3301,14 @@
           <a:lstStyle/>
           <a:p>
             <a:pPr lvl="0" marL="0" indent="0">
+              <a:spcBef>
+                <a:spcPts val="3000"/>
+              </a:spcBef>
               <a:buNone/>
             </a:pPr>
             <a:r>
-              <a:rPr/>
-              <a:t>Table of Contents</a:t>
-            </a:r>
-          </a:p>
-        </p:txBody>
-      </p:sp>
-      <p:sp>
-        <p:nvSpPr>
-          <p:cNvPr id="3" name="Content Placeholder 2"/>
-          <p:cNvSpPr>
-            <a:spLocks noGrp="1"/>
-          </p:cNvSpPr>
-          <p:nvPr>
-            <p:ph idx="1"/>
-          </p:nvPr>
-        </p:nvSpPr>
-        <p:spPr/>
-        <p:txBody>
-          <a:bodyPr/>
-          <a:lstStyle/>
-          <a:p>
-            <a:pPr lvl="1"/>
-            <a:r>
-              <a:rPr>
-                <a:hlinkClick r:id="rId2" action="ppaction://hlinksldjump"/>
-              </a:rPr>
-              <a:t>Adatgyűjtés</a:t>
+              <a:rPr b="1"/>
+              <a:t>LASSO</a:t>
             </a:r>
           </a:p>
         </p:txBody>
@@ -3320,7 +3318,7 @@
 </p:sld>
 </file>
 
-<file path=ppt/slides/slide3.xml><?xml version="1.0" encoding="utf-8"?>
+<file path=ppt/slides/slide11.xml><?xml version="1.0" encoding="utf-8"?>
 <p:sld xmlns:a="http://schemas.openxmlformats.org/drawingml/2006/main" xmlns:r="http://schemas.openxmlformats.org/officeDocument/2006/relationships" xmlns:p="http://schemas.openxmlformats.org/presentationml/2006/main">
   <p:cSld>
     <p:spTree>
@@ -3337,34 +3335,9 @@
           <a:chExt cx="0" cy="0"/>
         </a:xfrm>
       </p:grpSpPr>
-      <p:sp>
-        <p:nvSpPr>
-          <p:cNvPr id="2" name="Title 1"/>
-          <p:cNvSpPr>
-            <a:spLocks noGrp="1"/>
-          </p:cNvSpPr>
-          <p:nvPr>
-            <p:ph type="title"/>
-          </p:nvPr>
-        </p:nvSpPr>
-        <p:spPr/>
-        <p:txBody>
-          <a:bodyPr/>
-          <a:lstStyle/>
-          <a:p>
-            <a:pPr lvl="0" marL="0" indent="0">
-              <a:buNone/>
-            </a:pPr>
-            <a:r>
-              <a:rPr/>
-              <a:t>Adatgyűjtés</a:t>
-            </a:r>
-          </a:p>
-        </p:txBody>
-      </p:sp>
       <p:pic>
         <p:nvPicPr>
-          <p:cNvPr descr="tsm_files/figure-pptx/unnamed-chunk-2-1.png" id="0" name="Picture 1"/>
+          <p:cNvPr descr="tsm_files/figure-pptx/unnamed-chunk-6-1.png" id="0" name="Picture 1"/>
           <p:cNvPicPr>
             <a:picLocks noGrp="1" noChangeAspect="1"/>
           </p:cNvPicPr>
@@ -3397,7 +3370,62 @@
 </p:sld>
 </file>
 
-<file path=ppt/slides/slide4.xml><?xml version="1.0" encoding="utf-8"?>
+<file path=ppt/slides/slide12.xml><?xml version="1.0" encoding="utf-8"?>
+<p:sld xmlns:a="http://schemas.openxmlformats.org/drawingml/2006/main" xmlns:r="http://schemas.openxmlformats.org/officeDocument/2006/relationships" xmlns:p="http://schemas.openxmlformats.org/presentationml/2006/main">
+  <p:cSld>
+    <p:spTree>
+      <p:nvGrpSpPr>
+        <p:cNvPr id="1" name=""/>
+        <p:cNvGrpSpPr/>
+        <p:nvPr/>
+      </p:nvGrpSpPr>
+      <p:grpSpPr>
+        <a:xfrm>
+          <a:off x="0" y="0"/>
+          <a:ext cx="0" cy="0"/>
+          <a:chOff x="0" y="0"/>
+          <a:chExt cx="0" cy="0"/>
+        </a:xfrm>
+      </p:grpSpPr>
+      <p:sp>
+        <p:nvSpPr>
+          <p:cNvPr id="3" name="Content Placeholder 2"/>
+          <p:cNvSpPr>
+            <a:spLocks noGrp="1"/>
+          </p:cNvSpPr>
+          <p:nvPr>
+            <p:ph idx="1"/>
+          </p:nvPr>
+        </p:nvSpPr>
+        <p:spPr/>
+        <p:txBody>
+          <a:bodyPr/>
+          <a:lstStyle/>
+          <a:p>
+            <a:pPr lvl="0" marL="0" indent="0">
+              <a:buNone/>
+            </a:pPr>
+          </a:p>
+          <a:p>
+            <a:pPr lvl="0" marL="0" indent="0">
+              <a:spcBef>
+                <a:spcPts val="3000"/>
+              </a:spcBef>
+              <a:buNone/>
+            </a:pPr>
+            <a:r>
+              <a:rPr b="1"/>
+              <a:t>MARS</a:t>
+            </a:r>
+          </a:p>
+        </p:txBody>
+      </p:sp>
+    </p:spTree>
+  </p:cSld>
+</p:sld>
+</file>
+
+<file path=ppt/slides/slide13.xml><?xml version="1.0" encoding="utf-8"?>
 <p:sld xmlns:a="http://schemas.openxmlformats.org/drawingml/2006/main" xmlns:r="http://schemas.openxmlformats.org/officeDocument/2006/relationships" xmlns:p="http://schemas.openxmlformats.org/presentationml/2006/main">
   <p:cSld>
     <p:spTree>
@@ -3416,7 +3444,7 @@
       </p:grpSpPr>
       <p:pic>
         <p:nvPicPr>
-          <p:cNvPr descr="tsm_files/figure-pptx/unnamed-chunk-3-1.png" id="0" name="Picture 1"/>
+          <p:cNvPr descr="tsm_files/figure-pptx/unnamed-chunk-7-1.png" id="0" name="Picture 1"/>
           <p:cNvPicPr>
             <a:picLocks noGrp="1" noChangeAspect="1"/>
           </p:cNvPicPr>
@@ -3449,7 +3477,7 @@
 </p:sld>
 </file>
 
-<file path=ppt/slides/slide5.xml><?xml version="1.0" encoding="utf-8"?>
+<file path=ppt/slides/slide14.xml><?xml version="1.0" encoding="utf-8"?>
 <p:sld xmlns:a="http://schemas.openxmlformats.org/drawingml/2006/main" xmlns:r="http://schemas.openxmlformats.org/officeDocument/2006/relationships" xmlns:p="http://schemas.openxmlformats.org/presentationml/2006/main">
   <p:cSld>
     <p:spTree>
@@ -3493,919 +3521,40 @@
               <a:rPr>
                 <a:latin typeface="Courier"/>
               </a:rPr>
-              <a:t>cars_lifetime </a:t>
-            </a:r>
-            <a:r>
-              <a:rPr>
-                <a:solidFill>
-                  <a:srgbClr val="007020"/>
-                </a:solidFill>
-                <a:latin typeface="Courier"/>
-              </a:rPr>
-              <a:t>&lt;-</a:t>
-            </a:r>
-            <a:r>
-              <a:rPr>
-                <a:latin typeface="Courier"/>
-              </a:rPr>
-              <a:t> available_cars </a:t>
-            </a:r>
-            <a:r>
-              <a:rPr>
-                <a:solidFill>
-                  <a:srgbClr val="4070A0"/>
-                </a:solidFill>
-                <a:latin typeface="Courier"/>
-              </a:rPr>
-              <a:t>%&gt;%</a:t>
-            </a:r>
-            <a:r>
-              <a:rPr>
-                <a:latin typeface="Courier"/>
-              </a:rPr>
-              <a:t> </a:t>
-            </a:r>
-            <a:r>
-              <a:rPr>
-                <a:solidFill>
-                  <a:srgbClr val="06287E"/>
-                </a:solidFill>
-                <a:latin typeface="Courier"/>
-              </a:rPr>
-              <a:t>arrange</a:t>
-            </a:r>
-            <a:r>
-              <a:rPr>
-                <a:latin typeface="Courier"/>
-              </a:rPr>
-              <a:t>(date) </a:t>
-            </a:r>
-            <a:r>
-              <a:rPr>
-                <a:solidFill>
-                  <a:srgbClr val="4070A0"/>
-                </a:solidFill>
-                <a:latin typeface="Courier"/>
-              </a:rPr>
-              <a:t>%&gt;%</a:t>
-            </a:r>
-            <a:r>
-              <a:rPr>
-                <a:latin typeface="Courier"/>
-              </a:rPr>
-              <a:t> </a:t>
-            </a:r>
-            <a:r>
-              <a:rPr>
-                <a:solidFill>
-                  <a:srgbClr val="06287E"/>
-                </a:solidFill>
-                <a:latin typeface="Courier"/>
-              </a:rPr>
-              <a:t>group_by</a:t>
-            </a:r>
-            <a:r>
-              <a:rPr>
-                <a:latin typeface="Courier"/>
-              </a:rPr>
-              <a:t>(url_to_car) </a:t>
-            </a:r>
-            <a:r>
-              <a:rPr>
-                <a:solidFill>
-                  <a:srgbClr val="4070A0"/>
-                </a:solidFill>
-                <a:latin typeface="Courier"/>
-              </a:rPr>
-              <a:t>%&gt;%</a:t>
-            </a:r>
-            <a:r>
-              <a:rPr>
-                <a:latin typeface="Courier"/>
-              </a:rPr>
-              <a:t> </a:t>
-            </a:r>
-            <a:r>
-              <a:rPr>
-                <a:solidFill>
-                  <a:srgbClr val="06287E"/>
-                </a:solidFill>
-                <a:latin typeface="Courier"/>
-              </a:rPr>
-              <a:t>summarise</a:t>
-            </a:r>
-            <a:r>
-              <a:rPr>
-                <a:latin typeface="Courier"/>
-              </a:rPr>
-              <a:t>(</a:t>
-            </a:r>
-            <a:r>
-              <a:rPr>
-                <a:solidFill>
-                  <a:srgbClr val="7D9029"/>
-                </a:solidFill>
-                <a:latin typeface="Courier"/>
-              </a:rPr>
-              <a:t>start =</a:t>
-            </a:r>
-            <a:r>
-              <a:rPr>
-                <a:latin typeface="Courier"/>
-              </a:rPr>
-              <a:t> </a:t>
-            </a:r>
-            <a:r>
-              <a:rPr>
-                <a:solidFill>
-                  <a:srgbClr val="06287E"/>
-                </a:solidFill>
-                <a:latin typeface="Courier"/>
-              </a:rPr>
-              <a:t>min</a:t>
-            </a:r>
-            <a:r>
-              <a:rPr>
-                <a:latin typeface="Courier"/>
-              </a:rPr>
-              <a:t>(date), </a:t>
-            </a:r>
-            <a:br/>
-            <a:r>
-              <a:rPr>
-                <a:latin typeface="Courier"/>
-              </a:rPr>
-              <a:t>    </a:t>
-            </a:r>
-            <a:r>
-              <a:rPr>
-                <a:solidFill>
-                  <a:srgbClr val="7D9029"/>
-                </a:solidFill>
-                <a:latin typeface="Courier"/>
-              </a:rPr>
-              <a:t>until =</a:t>
-            </a:r>
-            <a:r>
-              <a:rPr>
-                <a:latin typeface="Courier"/>
-              </a:rPr>
-              <a:t> </a:t>
-            </a:r>
-            <a:r>
-              <a:rPr>
-                <a:solidFill>
-                  <a:srgbClr val="06287E"/>
-                </a:solidFill>
-                <a:latin typeface="Courier"/>
-              </a:rPr>
-              <a:t>max</a:t>
-            </a:r>
-            <a:r>
-              <a:rPr>
-                <a:latin typeface="Courier"/>
-              </a:rPr>
-              <a:t>(date)) </a:t>
-            </a:r>
-            <a:r>
-              <a:rPr>
-                <a:solidFill>
-                  <a:srgbClr val="4070A0"/>
-                </a:solidFill>
-                <a:latin typeface="Courier"/>
-              </a:rPr>
-              <a:t>%&gt;%</a:t>
-            </a:r>
-            <a:r>
-              <a:rPr>
-                <a:latin typeface="Courier"/>
-              </a:rPr>
-              <a:t> </a:t>
-            </a:r>
-            <a:r>
-              <a:rPr>
-                <a:solidFill>
-                  <a:srgbClr val="06287E"/>
-                </a:solidFill>
-                <a:latin typeface="Courier"/>
-              </a:rPr>
-              <a:t>ungroup</a:t>
-            </a:r>
-            <a:r>
-              <a:rPr>
-                <a:latin typeface="Courier"/>
-              </a:rPr>
-              <a:t>() </a:t>
-            </a:r>
-            <a:r>
-              <a:rPr>
-                <a:solidFill>
-                  <a:srgbClr val="4070A0"/>
-                </a:solidFill>
-                <a:latin typeface="Courier"/>
-              </a:rPr>
-              <a:t>%&gt;%</a:t>
-            </a:r>
-            <a:r>
-              <a:rPr>
-                <a:latin typeface="Courier"/>
-              </a:rPr>
-              <a:t> </a:t>
-            </a:r>
-            <a:r>
-              <a:rPr>
-                <a:solidFill>
-                  <a:srgbClr val="06287E"/>
-                </a:solidFill>
-                <a:latin typeface="Courier"/>
-              </a:rPr>
-              <a:t>mutate</a:t>
-            </a:r>
-            <a:r>
-              <a:rPr>
-                <a:latin typeface="Courier"/>
-              </a:rPr>
-              <a:t>(</a:t>
-            </a:r>
-            <a:r>
-              <a:rPr>
-                <a:solidFill>
-                  <a:srgbClr val="7D9029"/>
-                </a:solidFill>
-                <a:latin typeface="Courier"/>
-              </a:rPr>
-              <a:t>selling_type =</a:t>
-            </a:r>
-            <a:r>
-              <a:rPr>
-                <a:latin typeface="Courier"/>
-              </a:rPr>
-              <a:t> </a:t>
-            </a:r>
-            <a:r>
-              <a:rPr>
-                <a:solidFill>
-                  <a:srgbClr val="06287E"/>
-                </a:solidFill>
-                <a:latin typeface="Courier"/>
-              </a:rPr>
-              <a:t>case_when</a:t>
-            </a:r>
-            <a:r>
-              <a:rPr>
-                <a:latin typeface="Courier"/>
-              </a:rPr>
-              <a:t>(start </a:t>
-            </a:r>
-            <a:r>
-              <a:rPr>
-                <a:solidFill>
-                  <a:srgbClr val="4070A0"/>
-                </a:solidFill>
-                <a:latin typeface="Courier"/>
-              </a:rPr>
-              <a:t>==</a:t>
-            </a:r>
-            <a:r>
-              <a:rPr>
-                <a:latin typeface="Courier"/>
-              </a:rPr>
-              <a:t> </a:t>
-            </a:r>
-            <a:br/>
-            <a:r>
-              <a:rPr>
-                <a:latin typeface="Courier"/>
-              </a:rPr>
-              <a:t>    until </a:t>
-            </a:r>
-            <a:r>
-              <a:rPr>
-                <a:solidFill>
-                  <a:srgbClr val="4070A0"/>
-                </a:solidFill>
-                <a:latin typeface="Courier"/>
-              </a:rPr>
-              <a:t>~</a:t>
-            </a:r>
-            <a:r>
-              <a:rPr>
-                <a:latin typeface="Courier"/>
-              </a:rPr>
-              <a:t> </a:t>
-            </a:r>
-            <a:r>
-              <a:rPr>
-                <a:solidFill>
-                  <a:srgbClr val="4070A0"/>
-                </a:solidFill>
-                <a:latin typeface="Courier"/>
-              </a:rPr>
-              <a:t>"mayfly (probably not transaction)"</a:t>
-            </a:r>
-            <a:r>
-              <a:rPr>
-                <a:latin typeface="Courier"/>
-              </a:rPr>
-              <a:t>, start </a:t>
-            </a:r>
-            <a:r>
-              <a:rPr>
-                <a:solidFill>
-                  <a:srgbClr val="4070A0"/>
-                </a:solidFill>
-                <a:latin typeface="Courier"/>
-              </a:rPr>
-              <a:t>==</a:t>
-            </a:r>
-            <a:r>
-              <a:rPr>
-                <a:latin typeface="Courier"/>
-              </a:rPr>
-              <a:t> </a:t>
-            </a:r>
-            <a:r>
-              <a:rPr>
-                <a:solidFill>
-                  <a:srgbClr val="06287E"/>
-                </a:solidFill>
-                <a:latin typeface="Courier"/>
-              </a:rPr>
-              <a:t>as.Date</a:t>
-            </a:r>
-            <a:r>
-              <a:rPr>
-                <a:latin typeface="Courier"/>
-              </a:rPr>
-              <a:t>(</a:t>
-            </a:r>
-            <a:r>
-              <a:rPr>
-                <a:solidFill>
-                  <a:srgbClr val="4070A0"/>
-                </a:solidFill>
-                <a:latin typeface="Courier"/>
-              </a:rPr>
-              <a:t>"2021-05-22"</a:t>
-            </a:r>
-            <a:r>
-              <a:rPr>
-                <a:latin typeface="Courier"/>
-              </a:rPr>
-              <a:t>) </a:t>
-            </a:r>
-            <a:r>
-              <a:rPr>
-                <a:solidFill>
-                  <a:srgbClr val="4070A0"/>
-                </a:solidFill>
-                <a:latin typeface="Courier"/>
-              </a:rPr>
-              <a:t>&amp;</a:t>
-            </a:r>
-            <a:r>
-              <a:rPr>
-                <a:latin typeface="Courier"/>
-              </a:rPr>
-              <a:t> </a:t>
-            </a:r>
-            <a:br/>
-            <a:r>
-              <a:rPr>
-                <a:latin typeface="Courier"/>
-              </a:rPr>
-              <a:t>    until </a:t>
-            </a:r>
-            <a:r>
-              <a:rPr>
-                <a:solidFill>
-                  <a:srgbClr val="4070A0"/>
-                </a:solidFill>
-                <a:latin typeface="Courier"/>
-              </a:rPr>
-              <a:t>==</a:t>
-            </a:r>
-            <a:r>
-              <a:rPr>
-                <a:latin typeface="Courier"/>
-              </a:rPr>
-              <a:t> </a:t>
-            </a:r>
-            <a:r>
-              <a:rPr>
-                <a:solidFill>
-                  <a:srgbClr val="06287E"/>
-                </a:solidFill>
-                <a:latin typeface="Courier"/>
-              </a:rPr>
-              <a:t>as.Date</a:t>
-            </a:r>
-            <a:r>
-              <a:rPr>
-                <a:latin typeface="Courier"/>
-              </a:rPr>
-              <a:t>(</a:t>
-            </a:r>
-            <a:r>
-              <a:rPr>
-                <a:solidFill>
-                  <a:srgbClr val="4070A0"/>
-                </a:solidFill>
-                <a:latin typeface="Courier"/>
-              </a:rPr>
-              <a:t>"2021-05-30"</a:t>
-            </a:r>
-            <a:r>
-              <a:rPr>
-                <a:latin typeface="Courier"/>
-              </a:rPr>
-              <a:t>) </a:t>
-            </a:r>
-            <a:r>
-              <a:rPr>
-                <a:solidFill>
-                  <a:srgbClr val="4070A0"/>
-                </a:solidFill>
-                <a:latin typeface="Courier"/>
-              </a:rPr>
-              <a:t>~</a:t>
-            </a:r>
-            <a:r>
-              <a:rPr>
-                <a:latin typeface="Courier"/>
-              </a:rPr>
-              <a:t> </a:t>
-            </a:r>
-            <a:r>
-              <a:rPr>
-                <a:solidFill>
-                  <a:srgbClr val="4070A0"/>
-                </a:solidFill>
-                <a:latin typeface="Courier"/>
-              </a:rPr>
-              <a:t>"still alive"</a:t>
-            </a:r>
-            <a:r>
-              <a:rPr>
-                <a:latin typeface="Courier"/>
-              </a:rPr>
-              <a:t>, start </a:t>
-            </a:r>
-            <a:r>
-              <a:rPr>
-                <a:solidFill>
-                  <a:srgbClr val="4070A0"/>
-                </a:solidFill>
-                <a:latin typeface="Courier"/>
-              </a:rPr>
-              <a:t>!=</a:t>
-            </a:r>
-            <a:r>
-              <a:rPr>
-                <a:latin typeface="Courier"/>
-              </a:rPr>
-              <a:t> </a:t>
-            </a:r>
-            <a:r>
-              <a:rPr>
-                <a:solidFill>
-                  <a:srgbClr val="06287E"/>
-                </a:solidFill>
-                <a:latin typeface="Courier"/>
-              </a:rPr>
-              <a:t>as.Date</a:t>
-            </a:r>
-            <a:r>
-              <a:rPr>
-                <a:latin typeface="Courier"/>
-              </a:rPr>
-              <a:t>(</a:t>
-            </a:r>
-            <a:r>
-              <a:rPr>
-                <a:solidFill>
-                  <a:srgbClr val="4070A0"/>
-                </a:solidFill>
-                <a:latin typeface="Courier"/>
-              </a:rPr>
-              <a:t>"2021-05-22"</a:t>
-            </a:r>
-            <a:r>
-              <a:rPr>
-                <a:latin typeface="Courier"/>
-              </a:rPr>
-              <a:t>) </a:t>
-            </a:r>
-            <a:r>
-              <a:rPr>
-                <a:solidFill>
-                  <a:srgbClr val="4070A0"/>
-                </a:solidFill>
-                <a:latin typeface="Courier"/>
-              </a:rPr>
-              <a:t>&amp;</a:t>
-            </a:r>
-            <a:r>
-              <a:rPr>
-                <a:latin typeface="Courier"/>
-              </a:rPr>
-              <a:t> </a:t>
-            </a:r>
-            <a:br/>
-            <a:r>
-              <a:rPr>
-                <a:latin typeface="Courier"/>
-              </a:rPr>
-              <a:t>    until </a:t>
-            </a:r>
-            <a:r>
-              <a:rPr>
-                <a:solidFill>
-                  <a:srgbClr val="4070A0"/>
-                </a:solidFill>
-                <a:latin typeface="Courier"/>
-              </a:rPr>
-              <a:t>==</a:t>
-            </a:r>
-            <a:r>
-              <a:rPr>
-                <a:latin typeface="Courier"/>
-              </a:rPr>
-              <a:t> </a:t>
-            </a:r>
-            <a:r>
-              <a:rPr>
-                <a:solidFill>
-                  <a:srgbClr val="06287E"/>
-                </a:solidFill>
-                <a:latin typeface="Courier"/>
-              </a:rPr>
-              <a:t>as.Date</a:t>
-            </a:r>
-            <a:r>
-              <a:rPr>
-                <a:latin typeface="Courier"/>
-              </a:rPr>
-              <a:t>(</a:t>
-            </a:r>
-            <a:r>
-              <a:rPr>
-                <a:solidFill>
-                  <a:srgbClr val="4070A0"/>
-                </a:solidFill>
-                <a:latin typeface="Courier"/>
-              </a:rPr>
-              <a:t>"2021-05-30"</a:t>
-            </a:r>
-            <a:r>
-              <a:rPr>
-                <a:latin typeface="Courier"/>
-              </a:rPr>
-              <a:t>) </a:t>
-            </a:r>
-            <a:r>
-              <a:rPr>
-                <a:solidFill>
-                  <a:srgbClr val="4070A0"/>
-                </a:solidFill>
-                <a:latin typeface="Courier"/>
-              </a:rPr>
-              <a:t>~</a:t>
-            </a:r>
-            <a:r>
-              <a:rPr>
-                <a:latin typeface="Courier"/>
-              </a:rPr>
-              <a:t> </a:t>
-            </a:r>
-            <a:r>
-              <a:rPr>
-                <a:solidFill>
-                  <a:srgbClr val="4070A0"/>
-                </a:solidFill>
-                <a:latin typeface="Courier"/>
-              </a:rPr>
-              <a:t>"new comer"</a:t>
-            </a:r>
-            <a:r>
-              <a:rPr>
-                <a:latin typeface="Courier"/>
-              </a:rPr>
-              <a:t>, start </a:t>
-            </a:r>
-            <a:r>
-              <a:rPr>
-                <a:solidFill>
-                  <a:srgbClr val="4070A0"/>
-                </a:solidFill>
-                <a:latin typeface="Courier"/>
-              </a:rPr>
-              <a:t>==</a:t>
-            </a:r>
-            <a:r>
-              <a:rPr>
-                <a:latin typeface="Courier"/>
-              </a:rPr>
-              <a:t> </a:t>
-            </a:r>
-            <a:r>
-              <a:rPr>
-                <a:solidFill>
-                  <a:srgbClr val="06287E"/>
-                </a:solidFill>
-                <a:latin typeface="Courier"/>
-              </a:rPr>
-              <a:t>as.Date</a:t>
-            </a:r>
-            <a:r>
-              <a:rPr>
-                <a:latin typeface="Courier"/>
-              </a:rPr>
-              <a:t>(</a:t>
-            </a:r>
-            <a:r>
-              <a:rPr>
-                <a:solidFill>
-                  <a:srgbClr val="4070A0"/>
-                </a:solidFill>
-                <a:latin typeface="Courier"/>
-              </a:rPr>
-              <a:t>"2021-05-22"</a:t>
-            </a:r>
-            <a:r>
-              <a:rPr>
-                <a:latin typeface="Courier"/>
-              </a:rPr>
-              <a:t>) </a:t>
-            </a:r>
-            <a:r>
-              <a:rPr>
-                <a:solidFill>
-                  <a:srgbClr val="4070A0"/>
-                </a:solidFill>
-                <a:latin typeface="Courier"/>
-              </a:rPr>
-              <a:t>&amp;</a:t>
-            </a:r>
-            <a:r>
-              <a:rPr>
-                <a:latin typeface="Courier"/>
-              </a:rPr>
-              <a:t> </a:t>
-            </a:r>
-            <a:br/>
-            <a:r>
-              <a:rPr>
-                <a:latin typeface="Courier"/>
-              </a:rPr>
-              <a:t>    until </a:t>
-            </a:r>
-            <a:r>
-              <a:rPr>
-                <a:solidFill>
-                  <a:srgbClr val="4070A0"/>
-                </a:solidFill>
-                <a:latin typeface="Courier"/>
-              </a:rPr>
-              <a:t>!=</a:t>
-            </a:r>
-            <a:r>
-              <a:rPr>
-                <a:latin typeface="Courier"/>
-              </a:rPr>
-              <a:t> </a:t>
-            </a:r>
-            <a:r>
-              <a:rPr>
-                <a:solidFill>
-                  <a:srgbClr val="06287E"/>
-                </a:solidFill>
-                <a:latin typeface="Courier"/>
-              </a:rPr>
-              <a:t>as.Date</a:t>
-            </a:r>
-            <a:r>
-              <a:rPr>
-                <a:latin typeface="Courier"/>
-              </a:rPr>
-              <a:t>(</a:t>
-            </a:r>
-            <a:r>
-              <a:rPr>
-                <a:solidFill>
-                  <a:srgbClr val="4070A0"/>
-                </a:solidFill>
-                <a:latin typeface="Courier"/>
-              </a:rPr>
-              <a:t>"2021-05-30"</a:t>
-            </a:r>
-            <a:r>
-              <a:rPr>
-                <a:latin typeface="Courier"/>
-              </a:rPr>
-              <a:t>) </a:t>
-            </a:r>
-            <a:r>
-              <a:rPr>
-                <a:solidFill>
-                  <a:srgbClr val="4070A0"/>
-                </a:solidFill>
-                <a:latin typeface="Courier"/>
-              </a:rPr>
-              <a:t>~</a:t>
-            </a:r>
-            <a:r>
-              <a:rPr>
-                <a:latin typeface="Courier"/>
-              </a:rPr>
-              <a:t> </a:t>
-            </a:r>
-            <a:r>
-              <a:rPr>
-                <a:solidFill>
-                  <a:srgbClr val="4070A0"/>
-                </a:solidFill>
-                <a:latin typeface="Courier"/>
-              </a:rPr>
-              <a:t>"already sold"</a:t>
-            </a:r>
-            <a:r>
-              <a:rPr>
-                <a:latin typeface="Courier"/>
-              </a:rPr>
-              <a:t>, start </a:t>
-            </a:r>
-            <a:r>
-              <a:rPr>
-                <a:solidFill>
-                  <a:srgbClr val="4070A0"/>
-                </a:solidFill>
-                <a:latin typeface="Courier"/>
-              </a:rPr>
-              <a:t>!=</a:t>
-            </a:r>
-            <a:r>
-              <a:rPr>
-                <a:latin typeface="Courier"/>
-              </a:rPr>
-              <a:t> </a:t>
-            </a:r>
-            <a:r>
-              <a:rPr>
-                <a:solidFill>
-                  <a:srgbClr val="06287E"/>
-                </a:solidFill>
-                <a:latin typeface="Courier"/>
-              </a:rPr>
-              <a:t>as.Date</a:t>
-            </a:r>
-            <a:r>
-              <a:rPr>
-                <a:latin typeface="Courier"/>
-              </a:rPr>
-              <a:t>(</a:t>
-            </a:r>
-            <a:r>
-              <a:rPr>
-                <a:solidFill>
-                  <a:srgbClr val="4070A0"/>
-                </a:solidFill>
-                <a:latin typeface="Courier"/>
-              </a:rPr>
-              <a:t>"2021-05-22"</a:t>
-            </a:r>
-            <a:r>
-              <a:rPr>
-                <a:latin typeface="Courier"/>
-              </a:rPr>
-              <a:t>) </a:t>
-            </a:r>
-            <a:r>
-              <a:rPr>
-                <a:solidFill>
-                  <a:srgbClr val="4070A0"/>
-                </a:solidFill>
-                <a:latin typeface="Courier"/>
-              </a:rPr>
-              <a:t>&amp;</a:t>
-            </a:r>
-            <a:r>
-              <a:rPr>
-                <a:latin typeface="Courier"/>
-              </a:rPr>
-              <a:t> </a:t>
-            </a:r>
-            <a:br/>
-            <a:r>
-              <a:rPr>
-                <a:latin typeface="Courier"/>
-              </a:rPr>
-              <a:t>    until </a:t>
-            </a:r>
-            <a:r>
-              <a:rPr>
-                <a:solidFill>
-                  <a:srgbClr val="4070A0"/>
-                </a:solidFill>
-                <a:latin typeface="Courier"/>
-              </a:rPr>
-              <a:t>!=</a:t>
-            </a:r>
-            <a:r>
-              <a:rPr>
-                <a:latin typeface="Courier"/>
-              </a:rPr>
-              <a:t> </a:t>
-            </a:r>
-            <a:r>
-              <a:rPr>
-                <a:solidFill>
-                  <a:srgbClr val="06287E"/>
-                </a:solidFill>
-                <a:latin typeface="Courier"/>
-              </a:rPr>
-              <a:t>as.Date</a:t>
-            </a:r>
-            <a:r>
-              <a:rPr>
-                <a:latin typeface="Courier"/>
-              </a:rPr>
-              <a:t>(</a:t>
-            </a:r>
-            <a:r>
-              <a:rPr>
-                <a:solidFill>
-                  <a:srgbClr val="4070A0"/>
-                </a:solidFill>
-                <a:latin typeface="Courier"/>
-              </a:rPr>
-              <a:t>"2021-05-30"</a:t>
-            </a:r>
-            <a:r>
-              <a:rPr>
-                <a:latin typeface="Courier"/>
-              </a:rPr>
-              <a:t>) </a:t>
-            </a:r>
-            <a:r>
-              <a:rPr>
-                <a:solidFill>
-                  <a:srgbClr val="4070A0"/>
-                </a:solidFill>
-                <a:latin typeface="Courier"/>
-              </a:rPr>
-              <a:t>~</a:t>
-            </a:r>
-            <a:r>
-              <a:rPr>
-                <a:latin typeface="Courier"/>
-              </a:rPr>
-              <a:t> </a:t>
-            </a:r>
-            <a:r>
-              <a:rPr>
-                <a:solidFill>
-                  <a:srgbClr val="4070A0"/>
-                </a:solidFill>
-                <a:latin typeface="Courier"/>
-              </a:rPr>
-              <a:t>"well-known"</a:t>
-            </a:r>
-            <a:r>
-              <a:rPr>
-                <a:latin typeface="Courier"/>
-              </a:rPr>
-              <a:t>, T </a:t>
-            </a:r>
-            <a:r>
-              <a:rPr>
-                <a:solidFill>
-                  <a:srgbClr val="4070A0"/>
-                </a:solidFill>
-                <a:latin typeface="Courier"/>
-              </a:rPr>
-              <a:t>~</a:t>
-            </a:r>
-            <a:r>
-              <a:rPr>
-                <a:latin typeface="Courier"/>
-              </a:rPr>
-              <a:t> </a:t>
-            </a:r>
-            <a:r>
-              <a:rPr>
-                <a:solidFill>
-                  <a:srgbClr val="4070A0"/>
-                </a:solidFill>
-                <a:latin typeface="Courier"/>
-              </a:rPr>
-              <a:t>"uncategorised"</a:t>
-            </a:r>
-            <a:r>
-              <a:rPr>
-                <a:latin typeface="Courier"/>
-              </a:rPr>
-              <a:t>))</a:t>
+              <a:t>                  Length Class  Mode     
+rss                    1 -none- numeric  
+rsq                    1 -none- numeric  
+gcv                    1 -none- numeric  
+grsq                   1 -none- numeric  
+bx                254736 -none- numeric  
+dirs                3990 -none- numeric  
+cuts                3990 -none- numeric  
+selected.terms        36 -none- numeric  
+prune.terms         1444 -none- numeric  
+fitted.values       7076 -none- numeric  
+residuals           7076 -none- numeric  
+coefficients          36 -none- numeric  
+rss.per.response       1 -none- numeric  
+rsq.per.response       1 -none- numeric  
+gcv.per.response       1 -none- numeric  
+grsq.per.response      1 -none- numeric  
+rss.per.subset        38 -none- numeric  
+gcv.per.subset        38 -none- numeric  
+leverages           7076 -none- numeric  
+pmethod                1 -none- character
+nprune                 0 -none- NULL     
+penalty                1 -none- numeric  
+nk                     1 -none- numeric  
+thresh                 1 -none- numeric  
+termcond               1 -none- numeric  
+weights                0 -none- NULL     
+call                   5 -none- call     
+namesx                15 -none- character
+modvars             1575 -none- numeric  
+terms                  3 terms  call     
+xlevels                6 -none- list     
+data                  16 tbl_df list     
+y                   7076 -none- numeric  </a:t>
             </a:r>
           </a:p>
         </p:txBody>
@@ -4415,7 +3564,1615 @@
 </p:sld>
 </file>
 
-<file path=ppt/slides/slide6.xml><?xml version="1.0" encoding="utf-8"?>
+<file path=ppt/slides/slide15.xml><?xml version="1.0" encoding="utf-8"?>
+<p:sld xmlns:a="http://schemas.openxmlformats.org/drawingml/2006/main" xmlns:r="http://schemas.openxmlformats.org/officeDocument/2006/relationships" xmlns:p="http://schemas.openxmlformats.org/presentationml/2006/main">
+  <p:cSld>
+    <p:spTree>
+      <p:nvGrpSpPr>
+        <p:cNvPr id="1" name=""/>
+        <p:cNvGrpSpPr/>
+        <p:nvPr/>
+      </p:nvGrpSpPr>
+      <p:grpSpPr>
+        <a:xfrm>
+          <a:off x="0" y="0"/>
+          <a:ext cx="0" cy="0"/>
+          <a:chOff x="0" y="0"/>
+          <a:chExt cx="0" cy="0"/>
+        </a:xfrm>
+      </p:grpSpPr>
+      <p:pic>
+        <p:nvPicPr>
+          <p:cNvPr descr="tsm_files/figure-pptx/unnamed-chunk-9-1.png" id="0" name="Picture 1"/>
+          <p:cNvPicPr>
+            <a:picLocks noGrp="1" noChangeAspect="1"/>
+          </p:cNvPicPr>
+          <p:nvPr/>
+        </p:nvPicPr>
+        <p:blipFill>
+          <a:blip r:embed="rId2"/>
+          <a:stretch>
+            <a:fillRect/>
+          </a:stretch>
+        </p:blipFill>
+        <p:spPr bwMode="auto">
+          <a:xfrm>
+            <a:off x="1752600" y="1600200"/>
+            <a:ext cx="5651500" cy="4521200"/>
+          </a:xfrm>
+          <a:prstGeom prst="rect">
+            <a:avLst/>
+          </a:prstGeom>
+          <a:noFill/>
+          <a:ln w="9525">
+            <a:noFill/>
+            <a:headEnd/>
+            <a:tailEnd/>
+          </a:ln>
+        </p:spPr>
+      </p:pic>
+    </p:spTree>
+  </p:cSld>
+</p:sld>
+</file>
+
+<file path=ppt/slides/slide16.xml><?xml version="1.0" encoding="utf-8"?>
+<p:sld xmlns:a="http://schemas.openxmlformats.org/drawingml/2006/main" xmlns:r="http://schemas.openxmlformats.org/officeDocument/2006/relationships" xmlns:p="http://schemas.openxmlformats.org/presentationml/2006/main">
+  <p:cSld>
+    <p:spTree>
+      <p:nvGrpSpPr>
+        <p:cNvPr id="1" name=""/>
+        <p:cNvGrpSpPr/>
+        <p:nvPr/>
+      </p:nvGrpSpPr>
+      <p:grpSpPr>
+        <a:xfrm>
+          <a:off x="0" y="0"/>
+          <a:ext cx="0" cy="0"/>
+          <a:chOff x="0" y="0"/>
+          <a:chExt cx="0" cy="0"/>
+        </a:xfrm>
+      </p:grpSpPr>
+      <p:pic>
+        <p:nvPicPr>
+          <p:cNvPr descr="tsm_files/figure-pptx/unnamed-chunk-10-1.png" id="0" name="Picture 1"/>
+          <p:cNvPicPr>
+            <a:picLocks noGrp="1" noChangeAspect="1"/>
+          </p:cNvPicPr>
+          <p:nvPr/>
+        </p:nvPicPr>
+        <p:blipFill>
+          <a:blip r:embed="rId2"/>
+          <a:stretch>
+            <a:fillRect/>
+          </a:stretch>
+        </p:blipFill>
+        <p:spPr bwMode="auto">
+          <a:xfrm>
+            <a:off x="1752600" y="1600200"/>
+            <a:ext cx="5651500" cy="4521200"/>
+          </a:xfrm>
+          <a:prstGeom prst="rect">
+            <a:avLst/>
+          </a:prstGeom>
+          <a:noFill/>
+          <a:ln w="9525">
+            <a:noFill/>
+            <a:headEnd/>
+            <a:tailEnd/>
+          </a:ln>
+        </p:spPr>
+      </p:pic>
+    </p:spTree>
+  </p:cSld>
+</p:sld>
+</file>
+
+<file path=ppt/slides/slide17.xml><?xml version="1.0" encoding="utf-8"?>
+<p:sld xmlns:a="http://schemas.openxmlformats.org/drawingml/2006/main" xmlns:r="http://schemas.openxmlformats.org/officeDocument/2006/relationships" xmlns:p="http://schemas.openxmlformats.org/presentationml/2006/main">
+  <p:cSld>
+    <p:spTree>
+      <p:nvGrpSpPr>
+        <p:cNvPr id="1" name=""/>
+        <p:cNvGrpSpPr/>
+        <p:nvPr/>
+      </p:nvGrpSpPr>
+      <p:grpSpPr>
+        <a:xfrm>
+          <a:off x="0" y="0"/>
+          <a:ext cx="0" cy="0"/>
+          <a:chOff x="0" y="0"/>
+          <a:chExt cx="0" cy="0"/>
+        </a:xfrm>
+      </p:grpSpPr>
+      <p:pic>
+        <p:nvPicPr>
+          <p:cNvPr descr="tsm_files/figure-pptx/unnamed-chunk-11-1.png" id="0" name="Picture 1"/>
+          <p:cNvPicPr>
+            <a:picLocks noGrp="1" noChangeAspect="1"/>
+          </p:cNvPicPr>
+          <p:nvPr/>
+        </p:nvPicPr>
+        <p:blipFill>
+          <a:blip r:embed="rId2"/>
+          <a:stretch>
+            <a:fillRect/>
+          </a:stretch>
+        </p:blipFill>
+        <p:spPr bwMode="auto">
+          <a:xfrm>
+            <a:off x="1752600" y="1600200"/>
+            <a:ext cx="5651500" cy="4521200"/>
+          </a:xfrm>
+          <a:prstGeom prst="rect">
+            <a:avLst/>
+          </a:prstGeom>
+          <a:noFill/>
+          <a:ln w="9525">
+            <a:noFill/>
+            <a:headEnd/>
+            <a:tailEnd/>
+          </a:ln>
+        </p:spPr>
+      </p:pic>
+    </p:spTree>
+  </p:cSld>
+</p:sld>
+</file>
+
+<file path=ppt/slides/slide18.xml><?xml version="1.0" encoding="utf-8"?>
+<p:sld xmlns:a="http://schemas.openxmlformats.org/drawingml/2006/main" xmlns:r="http://schemas.openxmlformats.org/officeDocument/2006/relationships" xmlns:p="http://schemas.openxmlformats.org/presentationml/2006/main">
+  <p:cSld>
+    <p:spTree>
+      <p:nvGrpSpPr>
+        <p:cNvPr id="1" name=""/>
+        <p:cNvGrpSpPr/>
+        <p:nvPr/>
+      </p:nvGrpSpPr>
+      <p:grpSpPr>
+        <a:xfrm>
+          <a:off x="0" y="0"/>
+          <a:ext cx="0" cy="0"/>
+          <a:chOff x="0" y="0"/>
+          <a:chExt cx="0" cy="0"/>
+        </a:xfrm>
+      </p:grpSpPr>
+      <p:pic>
+        <p:nvPicPr>
+          <p:cNvPr descr="tsm_files/figure-pptx/unnamed-chunk-12-1.png" id="0" name="Picture 1"/>
+          <p:cNvPicPr>
+            <a:picLocks noGrp="1" noChangeAspect="1"/>
+          </p:cNvPicPr>
+          <p:nvPr/>
+        </p:nvPicPr>
+        <p:blipFill>
+          <a:blip r:embed="rId2"/>
+          <a:stretch>
+            <a:fillRect/>
+          </a:stretch>
+        </p:blipFill>
+        <p:spPr bwMode="auto">
+          <a:xfrm>
+            <a:off x="1752600" y="1600200"/>
+            <a:ext cx="5651500" cy="4521200"/>
+          </a:xfrm>
+          <a:prstGeom prst="rect">
+            <a:avLst/>
+          </a:prstGeom>
+          <a:noFill/>
+          <a:ln w="9525">
+            <a:noFill/>
+            <a:headEnd/>
+            <a:tailEnd/>
+          </a:ln>
+        </p:spPr>
+      </p:pic>
+    </p:spTree>
+  </p:cSld>
+</p:sld>
+</file>
+
+<file path=ppt/slides/slide19.xml><?xml version="1.0" encoding="utf-8"?>
+<p:sld xmlns:a="http://schemas.openxmlformats.org/drawingml/2006/main" xmlns:r="http://schemas.openxmlformats.org/officeDocument/2006/relationships" xmlns:p="http://schemas.openxmlformats.org/presentationml/2006/main">
+  <p:cSld>
+    <p:spTree>
+      <p:nvGrpSpPr>
+        <p:cNvPr id="1" name=""/>
+        <p:cNvGrpSpPr/>
+        <p:nvPr/>
+      </p:nvGrpSpPr>
+      <p:grpSpPr>
+        <a:xfrm>
+          <a:off x="0" y="0"/>
+          <a:ext cx="0" cy="0"/>
+          <a:chOff x="0" y="0"/>
+          <a:chExt cx="0" cy="0"/>
+        </a:xfrm>
+      </p:grpSpPr>
+      <p:sp>
+        <p:nvSpPr>
+          <p:cNvPr id="2" name="Title 1"/>
+          <p:cNvSpPr>
+            <a:spLocks noGrp="1"/>
+          </p:cNvSpPr>
+          <p:nvPr>
+            <p:ph type="title"/>
+          </p:nvPr>
+        </p:nvSpPr>
+        <p:spPr/>
+        <p:txBody>
+          <a:bodyPr/>
+          <a:lstStyle/>
+          <a:p>
+            <a:pPr lvl="0" marL="0" indent="0">
+              <a:buNone/>
+            </a:pPr>
+            <a:r>
+              <a:rPr/>
+              <a:t>Szupermodell</a:t>
+            </a:r>
+          </a:p>
+        </p:txBody>
+      </p:sp>
+      <p:pic>
+        <p:nvPicPr>
+          <p:cNvPr descr="tsm_files/figure-pptx/unnamed-chunk-15-1.png" id="0" name="Picture 1"/>
+          <p:cNvPicPr>
+            <a:picLocks noGrp="1" noChangeAspect="1"/>
+          </p:cNvPicPr>
+          <p:nvPr/>
+        </p:nvPicPr>
+        <p:blipFill>
+          <a:blip r:embed="rId2"/>
+          <a:stretch>
+            <a:fillRect/>
+          </a:stretch>
+        </p:blipFill>
+        <p:spPr bwMode="auto">
+          <a:xfrm>
+            <a:off x="1752600" y="1600200"/>
+            <a:ext cx="5651500" cy="4521200"/>
+          </a:xfrm>
+          <a:prstGeom prst="rect">
+            <a:avLst/>
+          </a:prstGeom>
+          <a:noFill/>
+          <a:ln w="9525">
+            <a:noFill/>
+            <a:headEnd/>
+            <a:tailEnd/>
+          </a:ln>
+        </p:spPr>
+      </p:pic>
+    </p:spTree>
+  </p:cSld>
+</p:sld>
+</file>
+
+<file path=ppt/slides/slide2.xml><?xml version="1.0" encoding="utf-8"?>
+<p:sld xmlns:a="http://schemas.openxmlformats.org/drawingml/2006/main" xmlns:r="http://schemas.openxmlformats.org/officeDocument/2006/relationships" xmlns:p="http://schemas.openxmlformats.org/presentationml/2006/main">
+  <p:cSld>
+    <p:spTree>
+      <p:nvGrpSpPr>
+        <p:cNvPr id="1" name=""/>
+        <p:cNvGrpSpPr/>
+        <p:nvPr/>
+      </p:nvGrpSpPr>
+      <p:grpSpPr>
+        <a:xfrm>
+          <a:off x="0" y="0"/>
+          <a:ext cx="0" cy="0"/>
+          <a:chOff x="0" y="0"/>
+          <a:chExt cx="0" cy="0"/>
+        </a:xfrm>
+      </p:grpSpPr>
+      <p:sp>
+        <p:nvSpPr>
+          <p:cNvPr id="2" name="Title 1"/>
+          <p:cNvSpPr>
+            <a:spLocks noGrp="1"/>
+          </p:cNvSpPr>
+          <p:nvPr>
+            <p:ph type="title"/>
+          </p:nvPr>
+        </p:nvSpPr>
+        <p:spPr/>
+        <p:txBody>
+          <a:bodyPr/>
+          <a:lstStyle/>
+          <a:p>
+            <a:pPr lvl="0" marL="0" indent="0">
+              <a:buNone/>
+            </a:pPr>
+            <a:r>
+              <a:rPr/>
+              <a:t>Table of Contents</a:t>
+            </a:r>
+          </a:p>
+        </p:txBody>
+      </p:sp>
+      <p:sp>
+        <p:nvSpPr>
+          <p:cNvPr id="3" name="Content Placeholder 2"/>
+          <p:cNvSpPr>
+            <a:spLocks noGrp="1"/>
+          </p:cNvSpPr>
+          <p:nvPr>
+            <p:ph idx="1"/>
+          </p:nvPr>
+        </p:nvSpPr>
+        <p:spPr/>
+        <p:txBody>
+          <a:bodyPr/>
+          <a:lstStyle/>
+          <a:p>
+            <a:pPr lvl="1"/>
+            <a:r>
+              <a:rPr>
+                <a:hlinkClick r:id="rId2" action="ppaction://hlinksldjump"/>
+              </a:rPr>
+              <a:t>Adatgyűjtés</a:t>
+            </a:r>
+          </a:p>
+          <a:p>
+            <a:pPr lvl="1"/>
+            <a:r>
+              <a:rPr>
+                <a:hlinkClick r:id="rId3" action="ppaction://hlinksldjump"/>
+              </a:rPr>
+              <a:t>Változók szelektálása (Regressziós fa)</a:t>
+            </a:r>
+          </a:p>
+          <a:p>
+            <a:pPr lvl="2"/>
+            <a:r>
+              <a:rPr>
+                <a:hlinkClick r:id="rId4" action="ppaction://hlinksldjump"/>
+              </a:rPr>
+              <a:t>Változó fontosság</a:t>
+            </a:r>
+          </a:p>
+          <a:p>
+            <a:pPr lvl="1"/>
+            <a:r>
+              <a:rPr>
+                <a:hlinkClick r:id="rId5" action="ppaction://hlinksldjump"/>
+              </a:rPr>
+              <a:t>Modellek</a:t>
+            </a:r>
+          </a:p>
+          <a:p>
+            <a:pPr lvl="2"/>
+            <a:r>
+              <a:rPr>
+                <a:hlinkClick r:id="rId6" action="ppaction://hlinksldjump"/>
+              </a:rPr>
+              <a:t>Setup</a:t>
+            </a:r>
+          </a:p>
+          <a:p>
+            <a:pPr lvl="2"/>
+            <a:r>
+              <a:rPr>
+                <a:hlinkClick r:id="rId7" action="ppaction://hlinksldjump"/>
+              </a:rPr>
+              <a:t>Lineáris regresszió</a:t>
+            </a:r>
+          </a:p>
+          <a:p>
+            <a:pPr lvl="2"/>
+            <a:r>
+              <a:rPr>
+                <a:hlinkClick r:id="rId8" action="ppaction://hlinksldjump"/>
+              </a:rPr>
+              <a:t>LASSO</a:t>
+            </a:r>
+          </a:p>
+          <a:p>
+            <a:pPr lvl="2"/>
+            <a:r>
+              <a:rPr>
+                <a:hlinkClick r:id="rId9" action="ppaction://hlinksldjump"/>
+              </a:rPr>
+              <a:t>MARS</a:t>
+            </a:r>
+          </a:p>
+          <a:p>
+            <a:pPr lvl="1"/>
+            <a:r>
+              <a:rPr>
+                <a:hlinkClick r:id="rId10" action="ppaction://hlinksldjump"/>
+              </a:rPr>
+              <a:t>Szupermodell</a:t>
+            </a:r>
+          </a:p>
+          <a:p>
+            <a:pPr lvl="1"/>
+            <a:r>
+              <a:rPr>
+                <a:hlinkClick r:id="rId11" action="ppaction://hlinksldjump"/>
+              </a:rPr>
+              <a:t>A végső cél</a:t>
+            </a:r>
+          </a:p>
+          <a:p>
+            <a:pPr lvl="2"/>
+            <a:r>
+              <a:rPr>
+                <a:hlinkClick r:id="rId12" action="ppaction://hlinksldjump"/>
+              </a:rPr>
+              <a:t>Adatgyűjtés 2.</a:t>
+            </a:r>
+          </a:p>
+        </p:txBody>
+      </p:sp>
+    </p:spTree>
+  </p:cSld>
+</p:sld>
+</file>
+
+<file path=ppt/slides/slide20.xml><?xml version="1.0" encoding="utf-8"?>
+<p:sld xmlns:a="http://schemas.openxmlformats.org/drawingml/2006/main" xmlns:r="http://schemas.openxmlformats.org/officeDocument/2006/relationships" xmlns:p="http://schemas.openxmlformats.org/presentationml/2006/main">
+  <p:cSld>
+    <p:spTree>
+      <p:nvGrpSpPr>
+        <p:cNvPr id="1" name=""/>
+        <p:cNvGrpSpPr/>
+        <p:nvPr/>
+      </p:nvGrpSpPr>
+      <p:grpSpPr>
+        <a:xfrm>
+          <a:off x="0" y="0"/>
+          <a:ext cx="0" cy="0"/>
+          <a:chOff x="0" y="0"/>
+          <a:chExt cx="0" cy="0"/>
+        </a:xfrm>
+      </p:grpSpPr>
+      <p:sp>
+        <p:nvSpPr>
+          <p:cNvPr id="2" name="Title 1"/>
+          <p:cNvSpPr>
+            <a:spLocks noGrp="1"/>
+          </p:cNvSpPr>
+          <p:nvPr>
+            <p:ph type="title"/>
+          </p:nvPr>
+        </p:nvSpPr>
+        <p:spPr/>
+        <p:txBody>
+          <a:bodyPr/>
+          <a:lstStyle/>
+          <a:p>
+            <a:pPr lvl="0" marL="0" indent="0">
+              <a:buNone/>
+            </a:pPr>
+            <a:r>
+              <a:rPr/>
+              <a:t>A</a:t>
+            </a:r>
+            <a:r>
+              <a:rPr/>
+              <a:t> </a:t>
+            </a:r>
+            <a:r>
+              <a:rPr/>
+              <a:t>végső</a:t>
+            </a:r>
+            <a:r>
+              <a:rPr/>
+              <a:t> </a:t>
+            </a:r>
+            <a:r>
+              <a:rPr/>
+              <a:t>cél</a:t>
+            </a:r>
+          </a:p>
+        </p:txBody>
+      </p:sp>
+      <p:sp>
+        <p:nvSpPr>
+          <p:cNvPr id="3" name="Content Placeholder 2"/>
+          <p:cNvSpPr>
+            <a:spLocks noGrp="1"/>
+          </p:cNvSpPr>
+          <p:nvPr>
+            <p:ph idx="1"/>
+          </p:nvPr>
+        </p:nvSpPr>
+        <p:spPr/>
+        <p:txBody>
+          <a:bodyPr/>
+          <a:lstStyle/>
+          <a:p>
+            <a:pPr lvl="0" marL="0" indent="0">
+              <a:spcBef>
+                <a:spcPts val="3000"/>
+              </a:spcBef>
+              <a:buNone/>
+            </a:pPr>
+            <a:r>
+              <a:rPr b="1"/>
+              <a:t>Adatgyűjtés 2.</a:t>
+            </a:r>
+          </a:p>
+        </p:txBody>
+      </p:sp>
+    </p:spTree>
+  </p:cSld>
+</p:sld>
+</file>
+
+<file path=ppt/slides/slide21.xml><?xml version="1.0" encoding="utf-8"?>
+<p:sld xmlns:a="http://schemas.openxmlformats.org/drawingml/2006/main" xmlns:r="http://schemas.openxmlformats.org/officeDocument/2006/relationships" xmlns:p="http://schemas.openxmlformats.org/presentationml/2006/main">
+  <p:cSld>
+    <p:spTree>
+      <p:nvGrpSpPr>
+        <p:cNvPr id="1" name=""/>
+        <p:cNvGrpSpPr/>
+        <p:nvPr/>
+      </p:nvGrpSpPr>
+      <p:grpSpPr>
+        <a:xfrm>
+          <a:off x="0" y="0"/>
+          <a:ext cx="0" cy="0"/>
+          <a:chOff x="0" y="0"/>
+          <a:chExt cx="0" cy="0"/>
+        </a:xfrm>
+      </p:grpSpPr>
+      <p:pic>
+        <p:nvPicPr>
+          <p:cNvPr descr="tsm_files/figure-pptx/unnamed-chunk-17-1.png" id="0" name="Picture 1"/>
+          <p:cNvPicPr>
+            <a:picLocks noGrp="1" noChangeAspect="1"/>
+          </p:cNvPicPr>
+          <p:nvPr/>
+        </p:nvPicPr>
+        <p:blipFill>
+          <a:blip r:embed="rId2"/>
+          <a:stretch>
+            <a:fillRect/>
+          </a:stretch>
+        </p:blipFill>
+        <p:spPr bwMode="auto">
+          <a:xfrm>
+            <a:off x="457200" y="2209800"/>
+            <a:ext cx="8229600" cy="3289300"/>
+          </a:xfrm>
+          <a:prstGeom prst="rect">
+            <a:avLst/>
+          </a:prstGeom>
+          <a:noFill/>
+          <a:ln w="9525">
+            <a:noFill/>
+            <a:headEnd/>
+            <a:tailEnd/>
+          </a:ln>
+        </p:spPr>
+      </p:pic>
+    </p:spTree>
+  </p:cSld>
+</p:sld>
+</file>
+
+<file path=ppt/slides/slide22.xml><?xml version="1.0" encoding="utf-8"?>
+<p:sld xmlns:a="http://schemas.openxmlformats.org/drawingml/2006/main" xmlns:r="http://schemas.openxmlformats.org/officeDocument/2006/relationships" xmlns:p="http://schemas.openxmlformats.org/presentationml/2006/main">
+  <p:cSld>
+    <p:spTree>
+      <p:nvGrpSpPr>
+        <p:cNvPr id="1" name=""/>
+        <p:cNvGrpSpPr/>
+        <p:nvPr/>
+      </p:nvGrpSpPr>
+      <p:grpSpPr>
+        <a:xfrm>
+          <a:off x="0" y="0"/>
+          <a:ext cx="0" cy="0"/>
+          <a:chOff x="0" y="0"/>
+          <a:chExt cx="0" cy="0"/>
+        </a:xfrm>
+      </p:grpSpPr>
+      <p:pic>
+        <p:nvPicPr>
+          <p:cNvPr descr="tsm_files/figure-pptx/unnamed-chunk-18-1.png" id="0" name="Picture 1"/>
+          <p:cNvPicPr>
+            <a:picLocks noGrp="1" noChangeAspect="1"/>
+          </p:cNvPicPr>
+          <p:nvPr/>
+        </p:nvPicPr>
+        <p:blipFill>
+          <a:blip r:embed="rId2"/>
+          <a:stretch>
+            <a:fillRect/>
+          </a:stretch>
+        </p:blipFill>
+        <p:spPr bwMode="auto">
+          <a:xfrm>
+            <a:off x="1752600" y="1600200"/>
+            <a:ext cx="5651500" cy="4521200"/>
+          </a:xfrm>
+          <a:prstGeom prst="rect">
+            <a:avLst/>
+          </a:prstGeom>
+          <a:noFill/>
+          <a:ln w="9525">
+            <a:noFill/>
+            <a:headEnd/>
+            <a:tailEnd/>
+          </a:ln>
+        </p:spPr>
+      </p:pic>
+    </p:spTree>
+  </p:cSld>
+</p:sld>
+</file>
+
+<file path=ppt/slides/slide23.xml><?xml version="1.0" encoding="utf-8"?>
+<p:sld xmlns:a="http://schemas.openxmlformats.org/drawingml/2006/main" xmlns:r="http://schemas.openxmlformats.org/officeDocument/2006/relationships" xmlns:p="http://schemas.openxmlformats.org/presentationml/2006/main">
+  <p:cSld>
+    <p:spTree>
+      <p:nvGrpSpPr>
+        <p:cNvPr id="1" name=""/>
+        <p:cNvGrpSpPr/>
+        <p:nvPr/>
+      </p:nvGrpSpPr>
+      <p:grpSpPr>
+        <a:xfrm>
+          <a:off x="0" y="0"/>
+          <a:ext cx="0" cy="0"/>
+          <a:chOff x="0" y="0"/>
+          <a:chExt cx="0" cy="0"/>
+        </a:xfrm>
+      </p:grpSpPr>
+      <p:sp>
+        <p:nvSpPr>
+          <p:cNvPr id="3" name="Content Placeholder 2"/>
+          <p:cNvSpPr>
+            <a:spLocks noGrp="1"/>
+          </p:cNvSpPr>
+          <p:nvPr>
+            <p:ph idx="1"/>
+          </p:nvPr>
+        </p:nvSpPr>
+        <p:spPr/>
+        <p:txBody>
+          <a:bodyPr/>
+          <a:lstStyle/>
+          <a:p>
+            <a:pPr lvl="0" marL="0" indent="0">
+              <a:buNone/>
+            </a:pPr>
+          </a:p>
+          <a:p>
+            <a:pPr lvl="0" indent="0">
+              <a:buNone/>
+            </a:pPr>
+            <a:r>
+              <a:rPr>
+                <a:latin typeface="Courier"/>
+              </a:rPr>
+              <a:t>cars_lifetime </a:t>
+            </a:r>
+            <a:r>
+              <a:rPr>
+                <a:solidFill>
+                  <a:srgbClr val="007020"/>
+                </a:solidFill>
+                <a:latin typeface="Courier"/>
+              </a:rPr>
+              <a:t>&lt;-</a:t>
+            </a:r>
+            <a:r>
+              <a:rPr>
+                <a:latin typeface="Courier"/>
+              </a:rPr>
+              <a:t> available_cars </a:t>
+            </a:r>
+            <a:r>
+              <a:rPr>
+                <a:solidFill>
+                  <a:srgbClr val="4070A0"/>
+                </a:solidFill>
+                <a:latin typeface="Courier"/>
+              </a:rPr>
+              <a:t>%&gt;%</a:t>
+            </a:r>
+            <a:r>
+              <a:rPr>
+                <a:latin typeface="Courier"/>
+              </a:rPr>
+              <a:t> </a:t>
+            </a:r>
+            <a:r>
+              <a:rPr>
+                <a:solidFill>
+                  <a:srgbClr val="06287E"/>
+                </a:solidFill>
+                <a:latin typeface="Courier"/>
+              </a:rPr>
+              <a:t>arrange</a:t>
+            </a:r>
+            <a:r>
+              <a:rPr>
+                <a:latin typeface="Courier"/>
+              </a:rPr>
+              <a:t>(date) </a:t>
+            </a:r>
+            <a:r>
+              <a:rPr>
+                <a:solidFill>
+                  <a:srgbClr val="4070A0"/>
+                </a:solidFill>
+                <a:latin typeface="Courier"/>
+              </a:rPr>
+              <a:t>%&gt;%</a:t>
+            </a:r>
+            <a:r>
+              <a:rPr>
+                <a:latin typeface="Courier"/>
+              </a:rPr>
+              <a:t> </a:t>
+            </a:r>
+            <a:r>
+              <a:rPr>
+                <a:solidFill>
+                  <a:srgbClr val="06287E"/>
+                </a:solidFill>
+                <a:latin typeface="Courier"/>
+              </a:rPr>
+              <a:t>group_by</a:t>
+            </a:r>
+            <a:r>
+              <a:rPr>
+                <a:latin typeface="Courier"/>
+              </a:rPr>
+              <a:t>(url_to_car) </a:t>
+            </a:r>
+            <a:r>
+              <a:rPr>
+                <a:solidFill>
+                  <a:srgbClr val="4070A0"/>
+                </a:solidFill>
+                <a:latin typeface="Courier"/>
+              </a:rPr>
+              <a:t>%&gt;%</a:t>
+            </a:r>
+            <a:r>
+              <a:rPr>
+                <a:latin typeface="Courier"/>
+              </a:rPr>
+              <a:t> </a:t>
+            </a:r>
+            <a:r>
+              <a:rPr>
+                <a:solidFill>
+                  <a:srgbClr val="06287E"/>
+                </a:solidFill>
+                <a:latin typeface="Courier"/>
+              </a:rPr>
+              <a:t>summarise</a:t>
+            </a:r>
+            <a:r>
+              <a:rPr>
+                <a:latin typeface="Courier"/>
+              </a:rPr>
+              <a:t>(</a:t>
+            </a:r>
+            <a:r>
+              <a:rPr>
+                <a:solidFill>
+                  <a:srgbClr val="7D9029"/>
+                </a:solidFill>
+                <a:latin typeface="Courier"/>
+              </a:rPr>
+              <a:t>start =</a:t>
+            </a:r>
+            <a:r>
+              <a:rPr>
+                <a:latin typeface="Courier"/>
+              </a:rPr>
+              <a:t> </a:t>
+            </a:r>
+            <a:r>
+              <a:rPr>
+                <a:solidFill>
+                  <a:srgbClr val="06287E"/>
+                </a:solidFill>
+                <a:latin typeface="Courier"/>
+              </a:rPr>
+              <a:t>min</a:t>
+            </a:r>
+            <a:r>
+              <a:rPr>
+                <a:latin typeface="Courier"/>
+              </a:rPr>
+              <a:t>(date), </a:t>
+            </a:r>
+            <a:br/>
+            <a:r>
+              <a:rPr>
+                <a:latin typeface="Courier"/>
+              </a:rPr>
+              <a:t>    </a:t>
+            </a:r>
+            <a:r>
+              <a:rPr>
+                <a:solidFill>
+                  <a:srgbClr val="7D9029"/>
+                </a:solidFill>
+                <a:latin typeface="Courier"/>
+              </a:rPr>
+              <a:t>until =</a:t>
+            </a:r>
+            <a:r>
+              <a:rPr>
+                <a:latin typeface="Courier"/>
+              </a:rPr>
+              <a:t> </a:t>
+            </a:r>
+            <a:r>
+              <a:rPr>
+                <a:solidFill>
+                  <a:srgbClr val="06287E"/>
+                </a:solidFill>
+                <a:latin typeface="Courier"/>
+              </a:rPr>
+              <a:t>max</a:t>
+            </a:r>
+            <a:r>
+              <a:rPr>
+                <a:latin typeface="Courier"/>
+              </a:rPr>
+              <a:t>(date)) </a:t>
+            </a:r>
+            <a:r>
+              <a:rPr>
+                <a:solidFill>
+                  <a:srgbClr val="4070A0"/>
+                </a:solidFill>
+                <a:latin typeface="Courier"/>
+              </a:rPr>
+              <a:t>%&gt;%</a:t>
+            </a:r>
+            <a:r>
+              <a:rPr>
+                <a:latin typeface="Courier"/>
+              </a:rPr>
+              <a:t> </a:t>
+            </a:r>
+            <a:r>
+              <a:rPr>
+                <a:solidFill>
+                  <a:srgbClr val="06287E"/>
+                </a:solidFill>
+                <a:latin typeface="Courier"/>
+              </a:rPr>
+              <a:t>ungroup</a:t>
+            </a:r>
+            <a:r>
+              <a:rPr>
+                <a:latin typeface="Courier"/>
+              </a:rPr>
+              <a:t>() </a:t>
+            </a:r>
+            <a:r>
+              <a:rPr>
+                <a:solidFill>
+                  <a:srgbClr val="4070A0"/>
+                </a:solidFill>
+                <a:latin typeface="Courier"/>
+              </a:rPr>
+              <a:t>%&gt;%</a:t>
+            </a:r>
+            <a:r>
+              <a:rPr>
+                <a:latin typeface="Courier"/>
+              </a:rPr>
+              <a:t> </a:t>
+            </a:r>
+            <a:r>
+              <a:rPr>
+                <a:solidFill>
+                  <a:srgbClr val="06287E"/>
+                </a:solidFill>
+                <a:latin typeface="Courier"/>
+              </a:rPr>
+              <a:t>mutate</a:t>
+            </a:r>
+            <a:r>
+              <a:rPr>
+                <a:latin typeface="Courier"/>
+              </a:rPr>
+              <a:t>(</a:t>
+            </a:r>
+            <a:r>
+              <a:rPr>
+                <a:solidFill>
+                  <a:srgbClr val="7D9029"/>
+                </a:solidFill>
+                <a:latin typeface="Courier"/>
+              </a:rPr>
+              <a:t>selling_type =</a:t>
+            </a:r>
+            <a:r>
+              <a:rPr>
+                <a:latin typeface="Courier"/>
+              </a:rPr>
+              <a:t> </a:t>
+            </a:r>
+            <a:r>
+              <a:rPr>
+                <a:solidFill>
+                  <a:srgbClr val="06287E"/>
+                </a:solidFill>
+                <a:latin typeface="Courier"/>
+              </a:rPr>
+              <a:t>case_when</a:t>
+            </a:r>
+            <a:r>
+              <a:rPr>
+                <a:latin typeface="Courier"/>
+              </a:rPr>
+              <a:t>(start </a:t>
+            </a:r>
+            <a:r>
+              <a:rPr>
+                <a:solidFill>
+                  <a:srgbClr val="4070A0"/>
+                </a:solidFill>
+                <a:latin typeface="Courier"/>
+              </a:rPr>
+              <a:t>==</a:t>
+            </a:r>
+            <a:r>
+              <a:rPr>
+                <a:latin typeface="Courier"/>
+              </a:rPr>
+              <a:t> </a:t>
+            </a:r>
+            <a:br/>
+            <a:r>
+              <a:rPr>
+                <a:latin typeface="Courier"/>
+              </a:rPr>
+              <a:t>    until </a:t>
+            </a:r>
+            <a:r>
+              <a:rPr>
+                <a:solidFill>
+                  <a:srgbClr val="4070A0"/>
+                </a:solidFill>
+                <a:latin typeface="Courier"/>
+              </a:rPr>
+              <a:t>~</a:t>
+            </a:r>
+            <a:r>
+              <a:rPr>
+                <a:latin typeface="Courier"/>
+              </a:rPr>
+              <a:t> </a:t>
+            </a:r>
+            <a:r>
+              <a:rPr>
+                <a:solidFill>
+                  <a:srgbClr val="4070A0"/>
+                </a:solidFill>
+                <a:latin typeface="Courier"/>
+              </a:rPr>
+              <a:t>"mayfly (probably not transaction)"</a:t>
+            </a:r>
+            <a:r>
+              <a:rPr>
+                <a:latin typeface="Courier"/>
+              </a:rPr>
+              <a:t>, start </a:t>
+            </a:r>
+            <a:r>
+              <a:rPr>
+                <a:solidFill>
+                  <a:srgbClr val="4070A0"/>
+                </a:solidFill>
+                <a:latin typeface="Courier"/>
+              </a:rPr>
+              <a:t>==</a:t>
+            </a:r>
+            <a:r>
+              <a:rPr>
+                <a:latin typeface="Courier"/>
+              </a:rPr>
+              <a:t> </a:t>
+            </a:r>
+            <a:r>
+              <a:rPr>
+                <a:solidFill>
+                  <a:srgbClr val="06287E"/>
+                </a:solidFill>
+                <a:latin typeface="Courier"/>
+              </a:rPr>
+              <a:t>as.Date</a:t>
+            </a:r>
+            <a:r>
+              <a:rPr>
+                <a:latin typeface="Courier"/>
+              </a:rPr>
+              <a:t>(</a:t>
+            </a:r>
+            <a:r>
+              <a:rPr>
+                <a:solidFill>
+                  <a:srgbClr val="4070A0"/>
+                </a:solidFill>
+                <a:latin typeface="Courier"/>
+              </a:rPr>
+              <a:t>"2021-05-22"</a:t>
+            </a:r>
+            <a:r>
+              <a:rPr>
+                <a:latin typeface="Courier"/>
+              </a:rPr>
+              <a:t>) </a:t>
+            </a:r>
+            <a:r>
+              <a:rPr>
+                <a:solidFill>
+                  <a:srgbClr val="4070A0"/>
+                </a:solidFill>
+                <a:latin typeface="Courier"/>
+              </a:rPr>
+              <a:t>&amp;</a:t>
+            </a:r>
+            <a:r>
+              <a:rPr>
+                <a:latin typeface="Courier"/>
+              </a:rPr>
+              <a:t> </a:t>
+            </a:r>
+            <a:br/>
+            <a:r>
+              <a:rPr>
+                <a:latin typeface="Courier"/>
+              </a:rPr>
+              <a:t>    until </a:t>
+            </a:r>
+            <a:r>
+              <a:rPr>
+                <a:solidFill>
+                  <a:srgbClr val="4070A0"/>
+                </a:solidFill>
+                <a:latin typeface="Courier"/>
+              </a:rPr>
+              <a:t>==</a:t>
+            </a:r>
+            <a:r>
+              <a:rPr>
+                <a:latin typeface="Courier"/>
+              </a:rPr>
+              <a:t> </a:t>
+            </a:r>
+            <a:r>
+              <a:rPr>
+                <a:solidFill>
+                  <a:srgbClr val="06287E"/>
+                </a:solidFill>
+                <a:latin typeface="Courier"/>
+              </a:rPr>
+              <a:t>as.Date</a:t>
+            </a:r>
+            <a:r>
+              <a:rPr>
+                <a:latin typeface="Courier"/>
+              </a:rPr>
+              <a:t>(</a:t>
+            </a:r>
+            <a:r>
+              <a:rPr>
+                <a:solidFill>
+                  <a:srgbClr val="4070A0"/>
+                </a:solidFill>
+                <a:latin typeface="Courier"/>
+              </a:rPr>
+              <a:t>"2021-06-08"</a:t>
+            </a:r>
+            <a:r>
+              <a:rPr>
+                <a:latin typeface="Courier"/>
+              </a:rPr>
+              <a:t>) </a:t>
+            </a:r>
+            <a:r>
+              <a:rPr>
+                <a:solidFill>
+                  <a:srgbClr val="4070A0"/>
+                </a:solidFill>
+                <a:latin typeface="Courier"/>
+              </a:rPr>
+              <a:t>~</a:t>
+            </a:r>
+            <a:r>
+              <a:rPr>
+                <a:latin typeface="Courier"/>
+              </a:rPr>
+              <a:t> </a:t>
+            </a:r>
+            <a:r>
+              <a:rPr>
+                <a:solidFill>
+                  <a:srgbClr val="4070A0"/>
+                </a:solidFill>
+                <a:latin typeface="Courier"/>
+              </a:rPr>
+              <a:t>"still alive"</a:t>
+            </a:r>
+            <a:r>
+              <a:rPr>
+                <a:latin typeface="Courier"/>
+              </a:rPr>
+              <a:t>, start </a:t>
+            </a:r>
+            <a:r>
+              <a:rPr>
+                <a:solidFill>
+                  <a:srgbClr val="4070A0"/>
+                </a:solidFill>
+                <a:latin typeface="Courier"/>
+              </a:rPr>
+              <a:t>!=</a:t>
+            </a:r>
+            <a:r>
+              <a:rPr>
+                <a:latin typeface="Courier"/>
+              </a:rPr>
+              <a:t> </a:t>
+            </a:r>
+            <a:r>
+              <a:rPr>
+                <a:solidFill>
+                  <a:srgbClr val="06287E"/>
+                </a:solidFill>
+                <a:latin typeface="Courier"/>
+              </a:rPr>
+              <a:t>as.Date</a:t>
+            </a:r>
+            <a:r>
+              <a:rPr>
+                <a:latin typeface="Courier"/>
+              </a:rPr>
+              <a:t>(</a:t>
+            </a:r>
+            <a:r>
+              <a:rPr>
+                <a:solidFill>
+                  <a:srgbClr val="4070A0"/>
+                </a:solidFill>
+                <a:latin typeface="Courier"/>
+              </a:rPr>
+              <a:t>"2021-05-22"</a:t>
+            </a:r>
+            <a:r>
+              <a:rPr>
+                <a:latin typeface="Courier"/>
+              </a:rPr>
+              <a:t>) </a:t>
+            </a:r>
+            <a:r>
+              <a:rPr>
+                <a:solidFill>
+                  <a:srgbClr val="4070A0"/>
+                </a:solidFill>
+                <a:latin typeface="Courier"/>
+              </a:rPr>
+              <a:t>&amp;</a:t>
+            </a:r>
+            <a:r>
+              <a:rPr>
+                <a:latin typeface="Courier"/>
+              </a:rPr>
+              <a:t> </a:t>
+            </a:r>
+            <a:br/>
+            <a:r>
+              <a:rPr>
+                <a:latin typeface="Courier"/>
+              </a:rPr>
+              <a:t>    until </a:t>
+            </a:r>
+            <a:r>
+              <a:rPr>
+                <a:solidFill>
+                  <a:srgbClr val="4070A0"/>
+                </a:solidFill>
+                <a:latin typeface="Courier"/>
+              </a:rPr>
+              <a:t>==</a:t>
+            </a:r>
+            <a:r>
+              <a:rPr>
+                <a:latin typeface="Courier"/>
+              </a:rPr>
+              <a:t> </a:t>
+            </a:r>
+            <a:r>
+              <a:rPr>
+                <a:solidFill>
+                  <a:srgbClr val="06287E"/>
+                </a:solidFill>
+                <a:latin typeface="Courier"/>
+              </a:rPr>
+              <a:t>as.Date</a:t>
+            </a:r>
+            <a:r>
+              <a:rPr>
+                <a:latin typeface="Courier"/>
+              </a:rPr>
+              <a:t>(</a:t>
+            </a:r>
+            <a:r>
+              <a:rPr>
+                <a:solidFill>
+                  <a:srgbClr val="4070A0"/>
+                </a:solidFill>
+                <a:latin typeface="Courier"/>
+              </a:rPr>
+              <a:t>"2021-06-08"</a:t>
+            </a:r>
+            <a:r>
+              <a:rPr>
+                <a:latin typeface="Courier"/>
+              </a:rPr>
+              <a:t>) </a:t>
+            </a:r>
+            <a:r>
+              <a:rPr>
+                <a:solidFill>
+                  <a:srgbClr val="4070A0"/>
+                </a:solidFill>
+                <a:latin typeface="Courier"/>
+              </a:rPr>
+              <a:t>~</a:t>
+            </a:r>
+            <a:r>
+              <a:rPr>
+                <a:latin typeface="Courier"/>
+              </a:rPr>
+              <a:t> </a:t>
+            </a:r>
+            <a:r>
+              <a:rPr>
+                <a:solidFill>
+                  <a:srgbClr val="4070A0"/>
+                </a:solidFill>
+                <a:latin typeface="Courier"/>
+              </a:rPr>
+              <a:t>"new comer"</a:t>
+            </a:r>
+            <a:r>
+              <a:rPr>
+                <a:latin typeface="Courier"/>
+              </a:rPr>
+              <a:t>, start </a:t>
+            </a:r>
+            <a:r>
+              <a:rPr>
+                <a:solidFill>
+                  <a:srgbClr val="4070A0"/>
+                </a:solidFill>
+                <a:latin typeface="Courier"/>
+              </a:rPr>
+              <a:t>==</a:t>
+            </a:r>
+            <a:r>
+              <a:rPr>
+                <a:latin typeface="Courier"/>
+              </a:rPr>
+              <a:t> </a:t>
+            </a:r>
+            <a:r>
+              <a:rPr>
+                <a:solidFill>
+                  <a:srgbClr val="06287E"/>
+                </a:solidFill>
+                <a:latin typeface="Courier"/>
+              </a:rPr>
+              <a:t>as.Date</a:t>
+            </a:r>
+            <a:r>
+              <a:rPr>
+                <a:latin typeface="Courier"/>
+              </a:rPr>
+              <a:t>(</a:t>
+            </a:r>
+            <a:r>
+              <a:rPr>
+                <a:solidFill>
+                  <a:srgbClr val="4070A0"/>
+                </a:solidFill>
+                <a:latin typeface="Courier"/>
+              </a:rPr>
+              <a:t>"2021-05-22"</a:t>
+            </a:r>
+            <a:r>
+              <a:rPr>
+                <a:latin typeface="Courier"/>
+              </a:rPr>
+              <a:t>) </a:t>
+            </a:r>
+            <a:r>
+              <a:rPr>
+                <a:solidFill>
+                  <a:srgbClr val="4070A0"/>
+                </a:solidFill>
+                <a:latin typeface="Courier"/>
+              </a:rPr>
+              <a:t>&amp;</a:t>
+            </a:r>
+            <a:r>
+              <a:rPr>
+                <a:latin typeface="Courier"/>
+              </a:rPr>
+              <a:t> </a:t>
+            </a:r>
+            <a:br/>
+            <a:r>
+              <a:rPr>
+                <a:latin typeface="Courier"/>
+              </a:rPr>
+              <a:t>    until </a:t>
+            </a:r>
+            <a:r>
+              <a:rPr>
+                <a:solidFill>
+                  <a:srgbClr val="4070A0"/>
+                </a:solidFill>
+                <a:latin typeface="Courier"/>
+              </a:rPr>
+              <a:t>!=</a:t>
+            </a:r>
+            <a:r>
+              <a:rPr>
+                <a:latin typeface="Courier"/>
+              </a:rPr>
+              <a:t> </a:t>
+            </a:r>
+            <a:r>
+              <a:rPr>
+                <a:solidFill>
+                  <a:srgbClr val="06287E"/>
+                </a:solidFill>
+                <a:latin typeface="Courier"/>
+              </a:rPr>
+              <a:t>as.Date</a:t>
+            </a:r>
+            <a:r>
+              <a:rPr>
+                <a:latin typeface="Courier"/>
+              </a:rPr>
+              <a:t>(</a:t>
+            </a:r>
+            <a:r>
+              <a:rPr>
+                <a:solidFill>
+                  <a:srgbClr val="4070A0"/>
+                </a:solidFill>
+                <a:latin typeface="Courier"/>
+              </a:rPr>
+              <a:t>"2021-06-08"</a:t>
+            </a:r>
+            <a:r>
+              <a:rPr>
+                <a:latin typeface="Courier"/>
+              </a:rPr>
+              <a:t>) </a:t>
+            </a:r>
+            <a:r>
+              <a:rPr>
+                <a:solidFill>
+                  <a:srgbClr val="4070A0"/>
+                </a:solidFill>
+                <a:latin typeface="Courier"/>
+              </a:rPr>
+              <a:t>~</a:t>
+            </a:r>
+            <a:r>
+              <a:rPr>
+                <a:latin typeface="Courier"/>
+              </a:rPr>
+              <a:t> </a:t>
+            </a:r>
+            <a:r>
+              <a:rPr>
+                <a:solidFill>
+                  <a:srgbClr val="4070A0"/>
+                </a:solidFill>
+                <a:latin typeface="Courier"/>
+              </a:rPr>
+              <a:t>"already sold"</a:t>
+            </a:r>
+            <a:r>
+              <a:rPr>
+                <a:latin typeface="Courier"/>
+              </a:rPr>
+              <a:t>, start </a:t>
+            </a:r>
+            <a:r>
+              <a:rPr>
+                <a:solidFill>
+                  <a:srgbClr val="4070A0"/>
+                </a:solidFill>
+                <a:latin typeface="Courier"/>
+              </a:rPr>
+              <a:t>!=</a:t>
+            </a:r>
+            <a:r>
+              <a:rPr>
+                <a:latin typeface="Courier"/>
+              </a:rPr>
+              <a:t> </a:t>
+            </a:r>
+            <a:r>
+              <a:rPr>
+                <a:solidFill>
+                  <a:srgbClr val="06287E"/>
+                </a:solidFill>
+                <a:latin typeface="Courier"/>
+              </a:rPr>
+              <a:t>as.Date</a:t>
+            </a:r>
+            <a:r>
+              <a:rPr>
+                <a:latin typeface="Courier"/>
+              </a:rPr>
+              <a:t>(</a:t>
+            </a:r>
+            <a:r>
+              <a:rPr>
+                <a:solidFill>
+                  <a:srgbClr val="4070A0"/>
+                </a:solidFill>
+                <a:latin typeface="Courier"/>
+              </a:rPr>
+              <a:t>"2021-05-22"</a:t>
+            </a:r>
+            <a:r>
+              <a:rPr>
+                <a:latin typeface="Courier"/>
+              </a:rPr>
+              <a:t>) </a:t>
+            </a:r>
+            <a:r>
+              <a:rPr>
+                <a:solidFill>
+                  <a:srgbClr val="4070A0"/>
+                </a:solidFill>
+                <a:latin typeface="Courier"/>
+              </a:rPr>
+              <a:t>&amp;</a:t>
+            </a:r>
+            <a:r>
+              <a:rPr>
+                <a:latin typeface="Courier"/>
+              </a:rPr>
+              <a:t> </a:t>
+            </a:r>
+            <a:br/>
+            <a:r>
+              <a:rPr>
+                <a:latin typeface="Courier"/>
+              </a:rPr>
+              <a:t>    until </a:t>
+            </a:r>
+            <a:r>
+              <a:rPr>
+                <a:solidFill>
+                  <a:srgbClr val="4070A0"/>
+                </a:solidFill>
+                <a:latin typeface="Courier"/>
+              </a:rPr>
+              <a:t>!=</a:t>
+            </a:r>
+            <a:r>
+              <a:rPr>
+                <a:latin typeface="Courier"/>
+              </a:rPr>
+              <a:t> </a:t>
+            </a:r>
+            <a:r>
+              <a:rPr>
+                <a:solidFill>
+                  <a:srgbClr val="06287E"/>
+                </a:solidFill>
+                <a:latin typeface="Courier"/>
+              </a:rPr>
+              <a:t>as.Date</a:t>
+            </a:r>
+            <a:r>
+              <a:rPr>
+                <a:latin typeface="Courier"/>
+              </a:rPr>
+              <a:t>(</a:t>
+            </a:r>
+            <a:r>
+              <a:rPr>
+                <a:solidFill>
+                  <a:srgbClr val="4070A0"/>
+                </a:solidFill>
+                <a:latin typeface="Courier"/>
+              </a:rPr>
+              <a:t>"2021-06-08"</a:t>
+            </a:r>
+            <a:r>
+              <a:rPr>
+                <a:latin typeface="Courier"/>
+              </a:rPr>
+              <a:t>) </a:t>
+            </a:r>
+            <a:r>
+              <a:rPr>
+                <a:solidFill>
+                  <a:srgbClr val="4070A0"/>
+                </a:solidFill>
+                <a:latin typeface="Courier"/>
+              </a:rPr>
+              <a:t>~</a:t>
+            </a:r>
+            <a:r>
+              <a:rPr>
+                <a:latin typeface="Courier"/>
+              </a:rPr>
+              <a:t> </a:t>
+            </a:r>
+            <a:r>
+              <a:rPr>
+                <a:solidFill>
+                  <a:srgbClr val="4070A0"/>
+                </a:solidFill>
+                <a:latin typeface="Courier"/>
+              </a:rPr>
+              <a:t>"well-known"</a:t>
+            </a:r>
+            <a:r>
+              <a:rPr>
+                <a:latin typeface="Courier"/>
+              </a:rPr>
+              <a:t>, T </a:t>
+            </a:r>
+            <a:r>
+              <a:rPr>
+                <a:solidFill>
+                  <a:srgbClr val="4070A0"/>
+                </a:solidFill>
+                <a:latin typeface="Courier"/>
+              </a:rPr>
+              <a:t>~</a:t>
+            </a:r>
+            <a:r>
+              <a:rPr>
+                <a:latin typeface="Courier"/>
+              </a:rPr>
+              <a:t> </a:t>
+            </a:r>
+            <a:r>
+              <a:rPr>
+                <a:solidFill>
+                  <a:srgbClr val="4070A0"/>
+                </a:solidFill>
+                <a:latin typeface="Courier"/>
+              </a:rPr>
+              <a:t>"uncategorised"</a:t>
+            </a:r>
+            <a:r>
+              <a:rPr>
+                <a:latin typeface="Courier"/>
+              </a:rPr>
+              <a:t>))</a:t>
+            </a:r>
+          </a:p>
+        </p:txBody>
+      </p:sp>
+    </p:spTree>
+  </p:cSld>
+</p:sld>
+</file>
+
+<file path=ppt/slides/slide24.xml><?xml version="1.0" encoding="utf-8"?>
 <p:sld xmlns:a="http://schemas.openxmlformats.org/drawingml/2006/main" xmlns:r="http://schemas.openxmlformats.org/officeDocument/2006/relationships" xmlns:p="http://schemas.openxmlformats.org/presentationml/2006/main">
   <p:cSld>
     <p:spTree>
@@ -4524,7 +5281,7 @@
                       </a:pPr>
                       <a:r>
                         <a:rPr/>
-                        <a:t>87694</a:t>
+                        <a:t>89643</a:t>
                       </a:r>
                     </a:p>
                   </a:txBody>
@@ -4580,87 +5337,7 @@
                       </a:pPr>
                       <a:r>
                         <a:rPr/>
-                        <a:t>4529</a:t>
-                      </a:r>
-                    </a:p>
-                  </a:txBody>
-                </a:tc>
-              </a:tr>
-              <a:tr h="0">
-                <a:tc>
-                  <a:txBody>
-                    <a:bodyPr/>
-                    <a:lstStyle/>
-                    <a:p>
-                      <a:pPr lvl="0" marL="0" indent="0" algn="l">
-                        <a:buNone/>
-                      </a:pPr>
-                      <a:r>
-                        <a:rPr/>
-                        <a:t>new</a:t>
-                      </a:r>
-                      <a:r>
-                        <a:rPr/>
-                        <a:t> </a:t>
-                      </a:r>
-                      <a:r>
-                        <a:rPr/>
-                        <a:t>comer</a:t>
-                      </a:r>
-                    </a:p>
-                  </a:txBody>
-                </a:tc>
-                <a:tc>
-                  <a:txBody>
-                    <a:bodyPr/>
-                    <a:lstStyle/>
-                    <a:p>
-                      <a:pPr lvl="0" marL="0" indent="0" algn="r">
-                        <a:buNone/>
-                      </a:pPr>
-                      <a:r>
-                        <a:rPr/>
-                        <a:t>710</a:t>
-                      </a:r>
-                    </a:p>
-                  </a:txBody>
-                </a:tc>
-              </a:tr>
-              <a:tr h="0">
-                <a:tc>
-                  <a:txBody>
-                    <a:bodyPr/>
-                    <a:lstStyle/>
-                    <a:p>
-                      <a:pPr lvl="0" marL="0" indent="0" algn="l">
-                        <a:buNone/>
-                      </a:pPr>
-                      <a:r>
-                        <a:rPr/>
-                        <a:t>still</a:t>
-                      </a:r>
-                      <a:r>
-                        <a:rPr/>
-                        <a:t> </a:t>
-                      </a:r>
-                      <a:r>
-                        <a:rPr/>
-                        <a:t>alive</a:t>
-                      </a:r>
-                    </a:p>
-                  </a:txBody>
-                </a:tc>
-                <a:tc>
-                  <a:txBody>
-                    <a:bodyPr/>
-                    <a:lstStyle/>
-                    <a:p>
-                      <a:pPr lvl="0" marL="0" indent="0" algn="r">
-                        <a:buNone/>
-                      </a:pPr>
-                      <a:r>
-                        <a:rPr/>
-                        <a:t>1940</a:t>
+                        <a:t>6759</a:t>
                       </a:r>
                     </a:p>
                   </a:txBody>
@@ -4692,7 +5369,7 @@
                       </a:pPr>
                       <a:r>
                         <a:rPr/>
-                        <a:t>15638</a:t>
+                        <a:t>40909</a:t>
                       </a:r>
                     </a:p>
                   </a:txBody>
@@ -4727,7 +5404,7 @@
             </a:pPr>
             <a:r>
               <a:rPr/>
-              <a:t>Number</a:t>
+              <a:t>Megfigyelt</a:t>
             </a:r>
             <a:r>
               <a:rPr/>
@@ -4735,7 +5412,7 @@
             </a:r>
             <a:r>
               <a:rPr/>
-              <a:t>of</a:t>
+              <a:t>autók</a:t>
             </a:r>
             <a:r>
               <a:rPr/>
@@ -4743,7 +5420,7 @@
             </a:r>
             <a:r>
               <a:rPr/>
-              <a:t>cars</a:t>
+              <a:t>elérhetőség</a:t>
             </a:r>
             <a:r>
               <a:rPr/>
@@ -4751,7 +5428,208 @@
             </a:r>
             <a:r>
               <a:rPr/>
-              <a:t>by</a:t>
+              <a:t>szerint</a:t>
+            </a:r>
+          </a:p>
+        </p:txBody>
+      </p:sp>
+    </p:spTree>
+  </p:cSld>
+</p:sld>
+</file>
+
+<file path=ppt/slides/slide25.xml><?xml version="1.0" encoding="utf-8"?>
+<p:sld xmlns:a="http://schemas.openxmlformats.org/drawingml/2006/main" xmlns:r="http://schemas.openxmlformats.org/officeDocument/2006/relationships" xmlns:p="http://schemas.openxmlformats.org/presentationml/2006/main">
+  <p:cSld>
+    <p:spTree>
+      <p:nvGrpSpPr>
+        <p:cNvPr id="1" name=""/>
+        <p:cNvGrpSpPr/>
+        <p:nvPr/>
+      </p:nvGrpSpPr>
+      <p:grpSpPr>
+        <a:xfrm>
+          <a:off x="0" y="0"/>
+          <a:ext cx="0" cy="0"/>
+          <a:chOff x="0" y="0"/>
+          <a:chExt cx="0" cy="0"/>
+        </a:xfrm>
+      </p:grpSpPr>
+      <p:pic>
+        <p:nvPicPr>
+          <p:cNvPr descr="tsm_files/figure-pptx/unnamed-chunk-23-1.png" id="0" name="Picture 1"/>
+          <p:cNvPicPr>
+            <a:picLocks noGrp="1" noChangeAspect="1"/>
+          </p:cNvPicPr>
+          <p:nvPr/>
+        </p:nvPicPr>
+        <p:blipFill>
+          <a:blip r:embed="rId2"/>
+          <a:stretch>
+            <a:fillRect/>
+          </a:stretch>
+        </p:blipFill>
+        <p:spPr bwMode="auto">
+          <a:xfrm>
+            <a:off x="1752600" y="1600200"/>
+            <a:ext cx="5651500" cy="4521200"/>
+          </a:xfrm>
+          <a:prstGeom prst="rect">
+            <a:avLst/>
+          </a:prstGeom>
+          <a:noFill/>
+          <a:ln w="9525">
+            <a:noFill/>
+            <a:headEnd/>
+            <a:tailEnd/>
+          </a:ln>
+        </p:spPr>
+      </p:pic>
+    </p:spTree>
+  </p:cSld>
+</p:sld>
+</file>
+
+<file path=ppt/slides/slide26.xml><?xml version="1.0" encoding="utf-8"?>
+<p:sld xmlns:a="http://schemas.openxmlformats.org/drawingml/2006/main" xmlns:r="http://schemas.openxmlformats.org/officeDocument/2006/relationships" xmlns:p="http://schemas.openxmlformats.org/presentationml/2006/main">
+  <p:cSld>
+    <p:spTree>
+      <p:nvGrpSpPr>
+        <p:cNvPr id="1" name=""/>
+        <p:cNvGrpSpPr/>
+        <p:nvPr/>
+      </p:nvGrpSpPr>
+      <p:grpSpPr>
+        <a:xfrm>
+          <a:off x="0" y="0"/>
+          <a:ext cx="0" cy="0"/>
+          <a:chOff x="0" y="0"/>
+          <a:chExt cx="0" cy="0"/>
+        </a:xfrm>
+      </p:grpSpPr>
+      <p:pic>
+        <p:nvPicPr>
+          <p:cNvPr descr="tsm_files/figure-pptx/unnamed-chunk-24-1.png" id="0" name="Picture 1"/>
+          <p:cNvPicPr>
+            <a:picLocks noGrp="1" noChangeAspect="1"/>
+          </p:cNvPicPr>
+          <p:nvPr/>
+        </p:nvPicPr>
+        <p:blipFill>
+          <a:blip r:embed="rId2"/>
+          <a:stretch>
+            <a:fillRect/>
+          </a:stretch>
+        </p:blipFill>
+        <p:spPr bwMode="auto">
+          <a:xfrm>
+            <a:off x="1752600" y="1600200"/>
+            <a:ext cx="5651500" cy="4521200"/>
+          </a:xfrm>
+          <a:prstGeom prst="rect">
+            <a:avLst/>
+          </a:prstGeom>
+          <a:noFill/>
+          <a:ln w="9525">
+            <a:noFill/>
+            <a:headEnd/>
+            <a:tailEnd/>
+          </a:ln>
+        </p:spPr>
+      </p:pic>
+    </p:spTree>
+  </p:cSld>
+</p:sld>
+</file>
+
+<file path=ppt/slides/slide3.xml><?xml version="1.0" encoding="utf-8"?>
+<p:sld xmlns:a="http://schemas.openxmlformats.org/drawingml/2006/main" xmlns:r="http://schemas.openxmlformats.org/officeDocument/2006/relationships" xmlns:p="http://schemas.openxmlformats.org/presentationml/2006/main">
+  <p:cSld>
+    <p:spTree>
+      <p:nvGrpSpPr>
+        <p:cNvPr id="1" name=""/>
+        <p:cNvGrpSpPr/>
+        <p:nvPr/>
+      </p:nvGrpSpPr>
+      <p:grpSpPr>
+        <a:xfrm>
+          <a:off x="0" y="0"/>
+          <a:ext cx="0" cy="0"/>
+          <a:chOff x="0" y="0"/>
+          <a:chExt cx="0" cy="0"/>
+        </a:xfrm>
+      </p:grpSpPr>
+      <p:sp>
+        <p:nvSpPr>
+          <p:cNvPr id="3" name="Content Placeholder 2"/>
+          <p:cNvSpPr>
+            <a:spLocks noGrp="1"/>
+          </p:cNvSpPr>
+          <p:nvPr>
+            <p:ph idx="1"/>
+          </p:nvPr>
+        </p:nvSpPr>
+        <p:spPr/>
+        <p:txBody>
+          <a:bodyPr/>
+          <a:lstStyle/>
+          <a:p>
+            <a:pPr lvl="0" marL="0" indent="0">
+              <a:spcBef>
+                <a:spcPts val="3000"/>
+              </a:spcBef>
+              <a:buNone/>
+            </a:pPr>
+            <a:r>
+              <a:rPr b="1"/>
+              <a:t>Adatgyűjtés</a:t>
+            </a:r>
+          </a:p>
+        </p:txBody>
+      </p:sp>
+    </p:spTree>
+  </p:cSld>
+</p:sld>
+</file>
+
+<file path=ppt/slides/slide4.xml><?xml version="1.0" encoding="utf-8"?>
+<p:sld xmlns:a="http://schemas.openxmlformats.org/drawingml/2006/main" xmlns:r="http://schemas.openxmlformats.org/officeDocument/2006/relationships" xmlns:p="http://schemas.openxmlformats.org/presentationml/2006/main">
+  <p:cSld>
+    <p:spTree>
+      <p:nvGrpSpPr>
+        <p:cNvPr id="1" name=""/>
+        <p:cNvGrpSpPr/>
+        <p:nvPr/>
+      </p:nvGrpSpPr>
+      <p:grpSpPr>
+        <a:xfrm>
+          <a:off x="0" y="0"/>
+          <a:ext cx="0" cy="0"/>
+          <a:chOff x="0" y="0"/>
+          <a:chExt cx="0" cy="0"/>
+        </a:xfrm>
+      </p:grpSpPr>
+      <p:sp>
+        <p:nvSpPr>
+          <p:cNvPr id="2" name="Title 1"/>
+          <p:cNvSpPr>
+            <a:spLocks noGrp="1"/>
+          </p:cNvSpPr>
+          <p:nvPr>
+            <p:ph type="title"/>
+          </p:nvPr>
+        </p:nvSpPr>
+        <p:spPr/>
+        <p:txBody>
+          <a:bodyPr/>
+          <a:lstStyle/>
+          <a:p>
+            <a:pPr lvl="0" marL="0" indent="0">
+              <a:buNone/>
+            </a:pPr>
+            <a:r>
+              <a:rPr/>
+              <a:t>Változók</a:t>
             </a:r>
             <a:r>
               <a:rPr/>
@@ -4759,7 +5637,7 @@
             </a:r>
             <a:r>
               <a:rPr/>
-              <a:t>selling</a:t>
+              <a:t>szelektálása</a:t>
             </a:r>
             <a:r>
               <a:rPr/>
@@ -4767,7 +5645,1271 @@
             </a:r>
             <a:r>
               <a:rPr/>
-              <a:t>type</a:t>
+              <a:t>(Regressziós</a:t>
+            </a:r>
+            <a:r>
+              <a:rPr/>
+              <a:t> </a:t>
+            </a:r>
+            <a:r>
+              <a:rPr/>
+              <a:t>fa)</a:t>
+            </a:r>
+          </a:p>
+        </p:txBody>
+      </p:sp>
+      <p:pic>
+        <p:nvPicPr>
+          <p:cNvPr descr="tsm_files/figure-pptx/unnamed-chunk-2-1.png" id="0" name="Picture 1"/>
+          <p:cNvPicPr>
+            <a:picLocks noGrp="1" noChangeAspect="1"/>
+          </p:cNvPicPr>
+          <p:nvPr/>
+        </p:nvPicPr>
+        <p:blipFill>
+          <a:blip r:embed="rId2"/>
+          <a:stretch>
+            <a:fillRect/>
+          </a:stretch>
+        </p:blipFill>
+        <p:spPr bwMode="auto">
+          <a:xfrm>
+            <a:off x="1752600" y="1600200"/>
+            <a:ext cx="5651500" cy="4521200"/>
+          </a:xfrm>
+          <a:prstGeom prst="rect">
+            <a:avLst/>
+          </a:prstGeom>
+          <a:noFill/>
+          <a:ln w="9525">
+            <a:noFill/>
+            <a:headEnd/>
+            <a:tailEnd/>
+          </a:ln>
+        </p:spPr>
+      </p:pic>
+    </p:spTree>
+  </p:cSld>
+</p:sld>
+</file>
+
+<file path=ppt/slides/slide5.xml><?xml version="1.0" encoding="utf-8"?>
+<p:sld xmlns:a="http://schemas.openxmlformats.org/drawingml/2006/main" xmlns:r="http://schemas.openxmlformats.org/officeDocument/2006/relationships" xmlns:p="http://schemas.openxmlformats.org/presentationml/2006/main">
+  <p:cSld>
+    <p:spTree>
+      <p:nvGrpSpPr>
+        <p:cNvPr id="1" name=""/>
+        <p:cNvGrpSpPr/>
+        <p:nvPr/>
+      </p:nvGrpSpPr>
+      <p:grpSpPr>
+        <a:xfrm>
+          <a:off x="0" y="0"/>
+          <a:ext cx="0" cy="0"/>
+          <a:chOff x="0" y="0"/>
+          <a:chExt cx="0" cy="0"/>
+        </a:xfrm>
+      </p:grpSpPr>
+      <p:sp>
+        <p:nvSpPr>
+          <p:cNvPr id="3" name="Content Placeholder 2"/>
+          <p:cNvSpPr>
+            <a:spLocks noGrp="1"/>
+          </p:cNvSpPr>
+          <p:nvPr>
+            <p:ph idx="1"/>
+          </p:nvPr>
+        </p:nvSpPr>
+        <p:spPr/>
+        <p:txBody>
+          <a:bodyPr/>
+          <a:lstStyle/>
+          <a:p>
+            <a:pPr lvl="0" marL="0" indent="0">
+              <a:buNone/>
+            </a:pPr>
+          </a:p>
+          <a:p>
+            <a:pPr lvl="0" marL="0" indent="0">
+              <a:spcBef>
+                <a:spcPts val="3000"/>
+              </a:spcBef>
+              <a:buNone/>
+            </a:pPr>
+            <a:r>
+              <a:rPr b="1"/>
+              <a:t>Változó fontosság</a:t>
+            </a:r>
+          </a:p>
+        </p:txBody>
+      </p:sp>
+    </p:spTree>
+  </p:cSld>
+</p:sld>
+</file>
+
+<file path=ppt/slides/slide6.xml><?xml version="1.0" encoding="utf-8"?>
+<p:sld xmlns:a="http://schemas.openxmlformats.org/drawingml/2006/main" xmlns:r="http://schemas.openxmlformats.org/officeDocument/2006/relationships" xmlns:p="http://schemas.openxmlformats.org/presentationml/2006/main">
+  <p:cSld>
+    <p:spTree>
+      <p:nvGrpSpPr>
+        <p:cNvPr id="1" name=""/>
+        <p:cNvGrpSpPr/>
+        <p:nvPr/>
+      </p:nvGrpSpPr>
+      <p:grpSpPr>
+        <a:xfrm>
+          <a:off x="0" y="0"/>
+          <a:ext cx="0" cy="0"/>
+          <a:chOff x="0" y="0"/>
+          <a:chExt cx="0" cy="0"/>
+        </a:xfrm>
+      </p:grpSpPr>
+      <p:pic>
+        <p:nvPicPr>
+          <p:cNvPr descr="tsm_files/figure-pptx/unnamed-chunk-3-1.png" id="0" name="Picture 1"/>
+          <p:cNvPicPr>
+            <a:picLocks noGrp="1" noChangeAspect="1"/>
+          </p:cNvPicPr>
+          <p:nvPr/>
+        </p:nvPicPr>
+        <p:blipFill>
+          <a:blip r:embed="rId2"/>
+          <a:stretch>
+            <a:fillRect/>
+          </a:stretch>
+        </p:blipFill>
+        <p:spPr bwMode="auto">
+          <a:xfrm>
+            <a:off x="1752600" y="1600200"/>
+            <a:ext cx="5651500" cy="4521200"/>
+          </a:xfrm>
+          <a:prstGeom prst="rect">
+            <a:avLst/>
+          </a:prstGeom>
+          <a:noFill/>
+          <a:ln w="9525">
+            <a:noFill/>
+            <a:headEnd/>
+            <a:tailEnd/>
+          </a:ln>
+        </p:spPr>
+      </p:pic>
+    </p:spTree>
+  </p:cSld>
+</p:sld>
+</file>
+
+<file path=ppt/slides/slide7.xml><?xml version="1.0" encoding="utf-8"?>
+<p:sld xmlns:a="http://schemas.openxmlformats.org/drawingml/2006/main" xmlns:r="http://schemas.openxmlformats.org/officeDocument/2006/relationships" xmlns:p="http://schemas.openxmlformats.org/presentationml/2006/main">
+  <p:cSld>
+    <p:spTree>
+      <p:nvGrpSpPr>
+        <p:cNvPr id="1" name=""/>
+        <p:cNvGrpSpPr/>
+        <p:nvPr/>
+      </p:nvGrpSpPr>
+      <p:grpSpPr>
+        <a:xfrm>
+          <a:off x="0" y="0"/>
+          <a:ext cx="0" cy="0"/>
+          <a:chOff x="0" y="0"/>
+          <a:chExt cx="0" cy="0"/>
+        </a:xfrm>
+      </p:grpSpPr>
+      <p:sp>
+        <p:nvSpPr>
+          <p:cNvPr id="2" name="Title 1"/>
+          <p:cNvSpPr>
+            <a:spLocks noGrp="1"/>
+          </p:cNvSpPr>
+          <p:nvPr>
+            <p:ph type="title"/>
+          </p:nvPr>
+        </p:nvSpPr>
+        <p:spPr/>
+        <p:txBody>
+          <a:bodyPr/>
+          <a:lstStyle/>
+          <a:p>
+            <a:pPr lvl="0" marL="0" indent="0">
+              <a:buNone/>
+            </a:pPr>
+            <a:r>
+              <a:rPr/>
+              <a:t>Modellek</a:t>
+            </a:r>
+          </a:p>
+        </p:txBody>
+      </p:sp>
+      <p:sp>
+        <p:nvSpPr>
+          <p:cNvPr id="3" name="Content Placeholder 2"/>
+          <p:cNvSpPr>
+            <a:spLocks noGrp="1"/>
+          </p:cNvSpPr>
+          <p:nvPr>
+            <p:ph idx="1"/>
+          </p:nvPr>
+        </p:nvSpPr>
+        <p:spPr/>
+        <p:txBody>
+          <a:bodyPr/>
+          <a:lstStyle/>
+          <a:p>
+            <a:pPr lvl="0" marL="0" indent="0">
+              <a:spcBef>
+                <a:spcPts val="3000"/>
+              </a:spcBef>
+              <a:buNone/>
+            </a:pPr>
+            <a:r>
+              <a:rPr b="1"/>
+              <a:t>Setup</a:t>
+            </a:r>
+          </a:p>
+          <a:p>
+            <a:pPr lvl="1"/>
+            <a:r>
+              <a:rPr/>
+              <a:t>finomhangolás 18 darab paraméter kombináción (3 x 6 mag)</a:t>
+            </a:r>
+          </a:p>
+          <a:p>
+            <a:pPr lvl="1"/>
+            <a:r>
+              <a:rPr/>
+              <a:t>10 részre osztott egyszerű keresztvalidációval</a:t>
+            </a:r>
+          </a:p>
+          <a:p>
+            <a:pPr lvl="1"/>
+            <a:r>
+              <a:rPr/>
+              <a:t>paraméter választás legjobb R^2 alapján</a:t>
+            </a:r>
+          </a:p>
+          <a:p>
+            <a:pPr lvl="0" marL="0" indent="0">
+              <a:spcBef>
+                <a:spcPts val="3000"/>
+              </a:spcBef>
+              <a:buNone/>
+            </a:pPr>
+            <a:r>
+              <a:rPr b="1"/>
+              <a:t>Lineáris regresszió</a:t>
+            </a:r>
+          </a:p>
+        </p:txBody>
+      </p:sp>
+    </p:spTree>
+  </p:cSld>
+</p:sld>
+</file>
+
+<file path=ppt/slides/slide8.xml><?xml version="1.0" encoding="utf-8"?>
+<p:sld xmlns:a="http://schemas.openxmlformats.org/drawingml/2006/main" xmlns:r="http://schemas.openxmlformats.org/officeDocument/2006/relationships" xmlns:p="http://schemas.openxmlformats.org/presentationml/2006/main">
+  <p:cSld>
+    <p:spTree>
+      <p:nvGrpSpPr>
+        <p:cNvPr id="1" name=""/>
+        <p:cNvGrpSpPr/>
+        <p:nvPr/>
+      </p:nvGrpSpPr>
+      <p:grpSpPr>
+        <a:xfrm>
+          <a:off x="0" y="0"/>
+          <a:ext cx="0" cy="0"/>
+          <a:chOff x="0" y="0"/>
+          <a:chExt cx="0" cy="0"/>
+        </a:xfrm>
+      </p:grpSpPr>
+      <p:pic>
+        <p:nvPicPr>
+          <p:cNvPr descr="tsm_files/figure-pptx/unnamed-chunk-4-1.png" id="0" name="Picture 1"/>
+          <p:cNvPicPr>
+            <a:picLocks noGrp="1" noChangeAspect="1"/>
+          </p:cNvPicPr>
+          <p:nvPr/>
+        </p:nvPicPr>
+        <p:blipFill>
+          <a:blip r:embed="rId2"/>
+          <a:stretch>
+            <a:fillRect/>
+          </a:stretch>
+        </p:blipFill>
+        <p:spPr bwMode="auto">
+          <a:xfrm>
+            <a:off x="1752600" y="1600200"/>
+            <a:ext cx="5651500" cy="4521200"/>
+          </a:xfrm>
+          <a:prstGeom prst="rect">
+            <a:avLst/>
+          </a:prstGeom>
+          <a:noFill/>
+          <a:ln w="9525">
+            <a:noFill/>
+            <a:headEnd/>
+            <a:tailEnd/>
+          </a:ln>
+        </p:spPr>
+      </p:pic>
+    </p:spTree>
+  </p:cSld>
+</p:sld>
+</file>
+
+<file path=ppt/slides/slide9.xml><?xml version="1.0" encoding="utf-8"?>
+<p:sld xmlns:a="http://schemas.openxmlformats.org/drawingml/2006/main" xmlns:r="http://schemas.openxmlformats.org/officeDocument/2006/relationships" xmlns:p="http://schemas.openxmlformats.org/presentationml/2006/main">
+  <p:cSld>
+    <p:spTree>
+      <p:nvGrpSpPr>
+        <p:cNvPr id="1" name=""/>
+        <p:cNvGrpSpPr/>
+        <p:nvPr/>
+      </p:nvGrpSpPr>
+      <p:grpSpPr>
+        <a:xfrm>
+          <a:off x="0" y="0"/>
+          <a:ext cx="0" cy="0"/>
+          <a:chOff x="0" y="0"/>
+          <a:chExt cx="0" cy="0"/>
+        </a:xfrm>
+      </p:grpSpPr>
+      <p:graphicFrame>
+        <p:nvGraphicFramePr>
+          <p:cNvPr id="6" name="Content Placeholder 5"/>
+          <p:cNvGraphicFramePr>
+            <a:graphicFrameLocks noGrp="1"/>
+          </p:cNvGraphicFramePr>
+          <p:nvPr>
+            <p:ph idx="1"/>
+          </p:nvPr>
+        </p:nvGraphicFramePr>
+        <p:xfrm>
+          <a:off x="457200" y="1600200"/>
+          <a:ext cx="8229600" cy="4013200"/>
+        </p:xfrm>
+        <a:graphic>
+          <a:graphicData uri="http://schemas.openxmlformats.org/drawingml/2006/table">
+            <a:tbl>
+              <a:tblPr firstRow="1" bandRow="1">
+                <a:tableStyleId>{5C22544A-7EE6-4342-B048-85BDC9FD1C3A}</a:tableStyleId>
+              </a:tblPr>
+              <a:tblGrid>
+                <a:gridCol w="1638300"/>
+                <a:gridCol w="1638300"/>
+                <a:gridCol w="1638300"/>
+                <a:gridCol w="1638300"/>
+                <a:gridCol w="1638300"/>
+              </a:tblGrid>
+              <a:tr h="0">
+                <a:tc>
+                  <a:txBody>
+                    <a:bodyPr/>
+                    <a:lstStyle/>
+                    <a:p>
+                      <a:pPr lvl="0" marL="0" indent="0" algn="l">
+                        <a:buNone/>
+                      </a:pPr>
+                      <a:r>
+                        <a:rPr/>
+                        <a:t>term</a:t>
+                      </a:r>
+                    </a:p>
+                  </a:txBody>
+                  <a:tcPr/>
+                </a:tc>
+                <a:tc>
+                  <a:txBody>
+                    <a:bodyPr/>
+                    <a:lstStyle/>
+                    <a:p>
+                      <a:pPr lvl="0" marL="0" indent="0" algn="r">
+                        <a:buNone/>
+                      </a:pPr>
+                      <a:r>
+                        <a:rPr/>
+                        <a:t>estimate</a:t>
+                      </a:r>
+                    </a:p>
+                  </a:txBody>
+                  <a:tcPr/>
+                </a:tc>
+                <a:tc>
+                  <a:txBody>
+                    <a:bodyPr/>
+                    <a:lstStyle/>
+                    <a:p>
+                      <a:pPr lvl="0" marL="0" indent="0" algn="r">
+                        <a:buNone/>
+                      </a:pPr>
+                      <a:r>
+                        <a:rPr/>
+                        <a:t>std.error</a:t>
+                      </a:r>
+                    </a:p>
+                  </a:txBody>
+                  <a:tcPr/>
+                </a:tc>
+                <a:tc>
+                  <a:txBody>
+                    <a:bodyPr/>
+                    <a:lstStyle/>
+                    <a:p>
+                      <a:pPr lvl="0" marL="0" indent="0" algn="r">
+                        <a:buNone/>
+                      </a:pPr>
+                      <a:r>
+                        <a:rPr/>
+                        <a:t>statistic</a:t>
+                      </a:r>
+                    </a:p>
+                  </a:txBody>
+                  <a:tcPr/>
+                </a:tc>
+                <a:tc>
+                  <a:txBody>
+                    <a:bodyPr/>
+                    <a:lstStyle/>
+                    <a:p>
+                      <a:pPr lvl="0" marL="0" indent="0" algn="r">
+                        <a:buNone/>
+                      </a:pPr>
+                      <a:r>
+                        <a:rPr/>
+                        <a:t>p.value</a:t>
+                      </a:r>
+                    </a:p>
+                  </a:txBody>
+                  <a:tcPr/>
+                </a:tc>
+              </a:tr>
+              <a:tr h="0">
+                <a:tc>
+                  <a:txBody>
+                    <a:bodyPr/>
+                    <a:lstStyle/>
+                    <a:p>
+                      <a:pPr lvl="0" marL="0" indent="0" algn="l">
+                        <a:buNone/>
+                      </a:pPr>
+                      <a:r>
+                        <a:rPr/>
+                        <a:t>kivitel_Kombi</a:t>
+                      </a:r>
+                    </a:p>
+                  </a:txBody>
+                </a:tc>
+                <a:tc>
+                  <a:txBody>
+                    <a:bodyPr/>
+                    <a:lstStyle/>
+                    <a:p>
+                      <a:pPr lvl="0" marL="0" indent="0" algn="r">
+                        <a:buNone/>
+                      </a:pPr>
+                      <a:r>
+                        <a:rPr/>
+                        <a:t>113113.9</a:t>
+                      </a:r>
+                    </a:p>
+                  </a:txBody>
+                </a:tc>
+                <a:tc>
+                  <a:txBody>
+                    <a:bodyPr/>
+                    <a:lstStyle/>
+                    <a:p>
+                      <a:pPr lvl="0" marL="0" indent="0" algn="r">
+                        <a:buNone/>
+                      </a:pPr>
+                      <a:r>
+                        <a:rPr/>
+                        <a:t>2498683.0</a:t>
+                      </a:r>
+                    </a:p>
+                  </a:txBody>
+                </a:tc>
+                <a:tc>
+                  <a:txBody>
+                    <a:bodyPr/>
+                    <a:lstStyle/>
+                    <a:p>
+                      <a:pPr lvl="0" marL="0" indent="0" algn="r">
+                        <a:buNone/>
+                      </a:pPr>
+                      <a:r>
+                        <a:rPr/>
+                        <a:t>0.0452694</a:t>
+                      </a:r>
+                    </a:p>
+                  </a:txBody>
+                </a:tc>
+                <a:tc>
+                  <a:txBody>
+                    <a:bodyPr/>
+                    <a:lstStyle/>
+                    <a:p>
+                      <a:pPr lvl="0" marL="0" indent="0" algn="r">
+                        <a:buNone/>
+                      </a:pPr>
+                      <a:r>
+                        <a:rPr/>
+                        <a:t>0.9638927</a:t>
+                      </a:r>
+                    </a:p>
+                  </a:txBody>
+                </a:tc>
+              </a:tr>
+              <a:tr h="0">
+                <a:tc>
+                  <a:txBody>
+                    <a:bodyPr/>
+                    <a:lstStyle/>
+                    <a:p>
+                      <a:pPr lvl="0" marL="0" indent="0" algn="l">
+                        <a:buNone/>
+                      </a:pPr>
+                      <a:r>
+                        <a:rPr/>
+                        <a:t>kivitel_Egyterű</a:t>
+                      </a:r>
+                    </a:p>
+                  </a:txBody>
+                </a:tc>
+                <a:tc>
+                  <a:txBody>
+                    <a:bodyPr/>
+                    <a:lstStyle/>
+                    <a:p>
+                      <a:pPr lvl="0" marL="0" indent="0" algn="r">
+                        <a:buNone/>
+                      </a:pPr>
+                      <a:r>
+                        <a:rPr/>
+                        <a:t>116969.5</a:t>
+                      </a:r>
+                    </a:p>
+                  </a:txBody>
+                </a:tc>
+                <a:tc>
+                  <a:txBody>
+                    <a:bodyPr/>
+                    <a:lstStyle/>
+                    <a:p>
+                      <a:pPr lvl="0" marL="0" indent="0" algn="r">
+                        <a:buNone/>
+                      </a:pPr>
+                      <a:r>
+                        <a:rPr/>
+                        <a:t>2498728.5</a:t>
+                      </a:r>
+                    </a:p>
+                  </a:txBody>
+                </a:tc>
+                <a:tc>
+                  <a:txBody>
+                    <a:bodyPr/>
+                    <a:lstStyle/>
+                    <a:p>
+                      <a:pPr lvl="0" marL="0" indent="0" algn="r">
+                        <a:buNone/>
+                      </a:pPr>
+                      <a:r>
+                        <a:rPr/>
+                        <a:t>0.0468116</a:t>
+                      </a:r>
+                    </a:p>
+                  </a:txBody>
+                </a:tc>
+                <a:tc>
+                  <a:txBody>
+                    <a:bodyPr/>
+                    <a:lstStyle/>
+                    <a:p>
+                      <a:pPr lvl="0" marL="0" indent="0" algn="r">
+                        <a:buNone/>
+                      </a:pPr>
+                      <a:r>
+                        <a:rPr/>
+                        <a:t>0.9626635</a:t>
+                      </a:r>
+                    </a:p>
+                  </a:txBody>
+                </a:tc>
+              </a:tr>
+              <a:tr h="0">
+                <a:tc>
+                  <a:txBody>
+                    <a:bodyPr/>
+                    <a:lstStyle/>
+                    <a:p>
+                      <a:pPr lvl="0" marL="0" indent="0" algn="l">
+                        <a:buNone/>
+                      </a:pPr>
+                      <a:r>
+                        <a:rPr/>
+                        <a:t>allapot_Megkímélt</a:t>
+                      </a:r>
+                    </a:p>
+                  </a:txBody>
+                </a:tc>
+                <a:tc>
+                  <a:txBody>
+                    <a:bodyPr/>
+                    <a:lstStyle/>
+                    <a:p>
+                      <a:pPr lvl="0" marL="0" indent="0" algn="r">
+                        <a:buNone/>
+                      </a:pPr>
+                      <a:r>
+                        <a:rPr/>
+                        <a:t>384350.9</a:t>
+                      </a:r>
+                    </a:p>
+                  </a:txBody>
+                </a:tc>
+                <a:tc>
+                  <a:txBody>
+                    <a:bodyPr/>
+                    <a:lstStyle/>
+                    <a:p>
+                      <a:pPr lvl="0" marL="0" indent="0" algn="r">
+                        <a:buNone/>
+                      </a:pPr>
+                      <a:r>
+                        <a:rPr/>
+                        <a:t>2499034.1</a:t>
+                      </a:r>
+                    </a:p>
+                  </a:txBody>
+                </a:tc>
+                <a:tc>
+                  <a:txBody>
+                    <a:bodyPr/>
+                    <a:lstStyle/>
+                    <a:p>
+                      <a:pPr lvl="0" marL="0" indent="0" algn="r">
+                        <a:buNone/>
+                      </a:pPr>
+                      <a:r>
+                        <a:rPr/>
+                        <a:t>0.1537998</a:t>
+                      </a:r>
+                    </a:p>
+                  </a:txBody>
+                </a:tc>
+                <a:tc>
+                  <a:txBody>
+                    <a:bodyPr/>
+                    <a:lstStyle/>
+                    <a:p>
+                      <a:pPr lvl="0" marL="0" indent="0" algn="r">
+                        <a:buNone/>
+                      </a:pPr>
+                      <a:r>
+                        <a:rPr/>
+                        <a:t>0.8777680</a:t>
+                      </a:r>
+                    </a:p>
+                  </a:txBody>
+                </a:tc>
+              </a:tr>
+              <a:tr h="0">
+                <a:tc>
+                  <a:txBody>
+                    <a:bodyPr/>
+                    <a:lstStyle/>
+                    <a:p>
+                      <a:pPr lvl="0" marL="0" indent="0" algn="l">
+                        <a:buNone/>
+                      </a:pPr>
+                      <a:r>
+                        <a:rPr/>
+                        <a:t>allapot_Kitűnő</a:t>
+                      </a:r>
+                    </a:p>
+                  </a:txBody>
+                </a:tc>
+                <a:tc>
+                  <a:txBody>
+                    <a:bodyPr/>
+                    <a:lstStyle/>
+                    <a:p>
+                      <a:pPr lvl="0" marL="0" indent="0" algn="r">
+                        <a:buNone/>
+                      </a:pPr>
+                      <a:r>
+                        <a:rPr/>
+                        <a:t>466549.5</a:t>
+                      </a:r>
+                    </a:p>
+                  </a:txBody>
+                </a:tc>
+                <a:tc>
+                  <a:txBody>
+                    <a:bodyPr/>
+                    <a:lstStyle/>
+                    <a:p>
+                      <a:pPr lvl="0" marL="0" indent="0" algn="r">
+                        <a:buNone/>
+                      </a:pPr>
+                      <a:r>
+                        <a:rPr/>
+                        <a:t>2499035.1</a:t>
+                      </a:r>
+                    </a:p>
+                  </a:txBody>
+                </a:tc>
+                <a:tc>
+                  <a:txBody>
+                    <a:bodyPr/>
+                    <a:lstStyle/>
+                    <a:p>
+                      <a:pPr lvl="0" marL="0" indent="0" algn="r">
+                        <a:buNone/>
+                      </a:pPr>
+                      <a:r>
+                        <a:rPr/>
+                        <a:t>0.1866919</a:t>
+                      </a:r>
+                    </a:p>
+                  </a:txBody>
+                </a:tc>
+                <a:tc>
+                  <a:txBody>
+                    <a:bodyPr/>
+                    <a:lstStyle/>
+                    <a:p>
+                      <a:pPr lvl="0" marL="0" indent="0" algn="r">
+                        <a:buNone/>
+                      </a:pPr>
+                      <a:r>
+                        <a:rPr/>
+                        <a:t>0.8519028</a:t>
+                      </a:r>
+                    </a:p>
+                  </a:txBody>
+                </a:tc>
+              </a:tr>
+              <a:tr h="0">
+                <a:tc>
+                  <a:txBody>
+                    <a:bodyPr/>
+                    <a:lstStyle/>
+                    <a:p>
+                      <a:pPr lvl="0" marL="0" indent="0" algn="l">
+                        <a:buNone/>
+                      </a:pPr>
+                      <a:r>
+                        <a:rPr/>
+                        <a:t>brand_cadillac</a:t>
+                      </a:r>
+                    </a:p>
+                  </a:txBody>
+                </a:tc>
+                <a:tc>
+                  <a:txBody>
+                    <a:bodyPr/>
+                    <a:lstStyle/>
+                    <a:p>
+                      <a:pPr lvl="0" marL="0" indent="0" algn="r">
+                        <a:buNone/>
+                      </a:pPr>
+                      <a:r>
+                        <a:rPr/>
+                        <a:t>135322.3</a:t>
+                      </a:r>
+                    </a:p>
+                  </a:txBody>
+                </a:tc>
+                <a:tc>
+                  <a:txBody>
+                    <a:bodyPr/>
+                    <a:lstStyle/>
+                    <a:p>
+                      <a:pPr lvl="0" marL="0" indent="0" algn="r">
+                        <a:buNone/>
+                      </a:pPr>
+                      <a:r>
+                        <a:rPr/>
+                        <a:t>702343.0</a:t>
+                      </a:r>
+                    </a:p>
+                  </a:txBody>
+                </a:tc>
+                <a:tc>
+                  <a:txBody>
+                    <a:bodyPr/>
+                    <a:lstStyle/>
+                    <a:p>
+                      <a:pPr lvl="0" marL="0" indent="0" algn="r">
+                        <a:buNone/>
+                      </a:pPr>
+                      <a:r>
+                        <a:rPr/>
+                        <a:t>0.1926727</a:t>
+                      </a:r>
+                    </a:p>
+                  </a:txBody>
+                </a:tc>
+                <a:tc>
+                  <a:txBody>
+                    <a:bodyPr/>
+                    <a:lstStyle/>
+                    <a:p>
+                      <a:pPr lvl="0" marL="0" indent="0" algn="r">
+                        <a:buNone/>
+                      </a:pPr>
+                      <a:r>
+                        <a:rPr/>
+                        <a:t>0.8472159</a:t>
+                      </a:r>
+                    </a:p>
+                  </a:txBody>
+                </a:tc>
+              </a:tr>
+              <a:tr h="0">
+                <a:tc>
+                  <a:txBody>
+                    <a:bodyPr/>
+                    <a:lstStyle/>
+                    <a:p>
+                      <a:pPr lvl="0" marL="0" indent="0" algn="l">
+                        <a:buNone/>
+                      </a:pPr>
+                      <a:r>
+                        <a:rPr/>
+                        <a:t>kivitel_Lépcsőshátú</a:t>
+                      </a:r>
+                    </a:p>
+                  </a:txBody>
+                </a:tc>
+                <a:tc>
+                  <a:txBody>
+                    <a:bodyPr/>
+                    <a:lstStyle/>
+                    <a:p>
+                      <a:pPr lvl="0" marL="0" indent="0" algn="r">
+                        <a:buNone/>
+                      </a:pPr>
+                      <a:r>
+                        <a:rPr/>
+                        <a:t>537998.4</a:t>
+                      </a:r>
+                    </a:p>
+                  </a:txBody>
+                </a:tc>
+                <a:tc>
+                  <a:txBody>
+                    <a:bodyPr/>
+                    <a:lstStyle/>
+                    <a:p>
+                      <a:pPr lvl="0" marL="0" indent="0" algn="r">
+                        <a:buNone/>
+                      </a:pPr>
+                      <a:r>
+                        <a:rPr/>
+                        <a:t>2516925.5</a:t>
+                      </a:r>
+                    </a:p>
+                  </a:txBody>
+                </a:tc>
+                <a:tc>
+                  <a:txBody>
+                    <a:bodyPr/>
+                    <a:lstStyle/>
+                    <a:p>
+                      <a:pPr lvl="0" marL="0" indent="0" algn="r">
+                        <a:buNone/>
+                      </a:pPr>
+                      <a:r>
+                        <a:rPr/>
+                        <a:t>0.2137522</a:t>
+                      </a:r>
+                    </a:p>
+                  </a:txBody>
+                </a:tc>
+                <a:tc>
+                  <a:txBody>
+                    <a:bodyPr/>
+                    <a:lstStyle/>
+                    <a:p>
+                      <a:pPr lvl="0" marL="0" indent="0" algn="r">
+                        <a:buNone/>
+                      </a:pPr>
+                      <a:r>
+                        <a:rPr/>
+                        <a:t>0.8307409</a:t>
+                      </a:r>
+                    </a:p>
+                  </a:txBody>
+                </a:tc>
+              </a:tr>
+              <a:tr h="0">
+                <a:tc>
+                  <a:txBody>
+                    <a:bodyPr/>
+                    <a:lstStyle/>
+                    <a:p>
+                      <a:pPr lvl="0" marL="0" indent="0" algn="l">
+                        <a:buNone/>
+                      </a:pPr>
+                      <a:r>
+                        <a:rPr/>
+                        <a:t>allapot_Normál</a:t>
+                      </a:r>
+                    </a:p>
+                  </a:txBody>
+                </a:tc>
+                <a:tc>
+                  <a:txBody>
+                    <a:bodyPr/>
+                    <a:lstStyle/>
+                    <a:p>
+                      <a:pPr lvl="0" marL="0" indent="0" algn="r">
+                        <a:buNone/>
+                      </a:pPr>
+                      <a:r>
+                        <a:rPr/>
+                        <a:t>550040.8</a:t>
+                      </a:r>
+                    </a:p>
+                  </a:txBody>
+                </a:tc>
+                <a:tc>
+                  <a:txBody>
+                    <a:bodyPr/>
+                    <a:lstStyle/>
+                    <a:p>
+                      <a:pPr lvl="0" marL="0" indent="0" algn="r">
+                        <a:buNone/>
+                      </a:pPr>
+                      <a:r>
+                        <a:rPr/>
+                        <a:t>2498984.8</a:t>
+                      </a:r>
+                    </a:p>
+                  </a:txBody>
+                </a:tc>
+                <a:tc>
+                  <a:txBody>
+                    <a:bodyPr/>
+                    <a:lstStyle/>
+                    <a:p>
+                      <a:pPr lvl="0" marL="0" indent="0" algn="r">
+                        <a:buNone/>
+                      </a:pPr>
+                      <a:r>
+                        <a:rPr/>
+                        <a:t>0.2201057</a:t>
+                      </a:r>
+                    </a:p>
+                  </a:txBody>
+                </a:tc>
+                <a:tc>
+                  <a:txBody>
+                    <a:bodyPr/>
+                    <a:lstStyle/>
+                    <a:p>
+                      <a:pPr lvl="0" marL="0" indent="0" algn="r">
+                        <a:buNone/>
+                      </a:pPr>
+                      <a:r>
+                        <a:rPr/>
+                        <a:t>0.8257895</a:t>
+                      </a:r>
+                    </a:p>
+                  </a:txBody>
+                </a:tc>
+              </a:tr>
+              <a:tr h="0">
+                <a:tc>
+                  <a:txBody>
+                    <a:bodyPr/>
+                    <a:lstStyle/>
+                    <a:p>
+                      <a:pPr lvl="0" marL="0" indent="0" algn="l">
+                        <a:buNone/>
+                      </a:pPr>
+                      <a:r>
+                        <a:rPr/>
+                        <a:t>kivitel_Ferdehátú</a:t>
+                      </a:r>
+                    </a:p>
+                  </a:txBody>
+                </a:tc>
+                <a:tc>
+                  <a:txBody>
+                    <a:bodyPr/>
+                    <a:lstStyle/>
+                    <a:p>
+                      <a:pPr lvl="0" marL="0" indent="0" algn="r">
+                        <a:buNone/>
+                      </a:pPr>
+                      <a:r>
+                        <a:rPr/>
+                        <a:t>636883.9</a:t>
+                      </a:r>
+                    </a:p>
+                  </a:txBody>
+                </a:tc>
+                <a:tc>
+                  <a:txBody>
+                    <a:bodyPr/>
+                    <a:lstStyle/>
+                    <a:p>
+                      <a:pPr lvl="0" marL="0" indent="0" algn="r">
+                        <a:buNone/>
+                      </a:pPr>
+                      <a:r>
+                        <a:rPr/>
+                        <a:t>2498642.4</a:t>
+                      </a:r>
+                    </a:p>
+                  </a:txBody>
+                </a:tc>
+                <a:tc>
+                  <a:txBody>
+                    <a:bodyPr/>
+                    <a:lstStyle/>
+                    <a:p>
+                      <a:pPr lvl="0" marL="0" indent="0" algn="r">
+                        <a:buNone/>
+                      </a:pPr>
+                      <a:r>
+                        <a:rPr/>
+                        <a:t>0.2548920</a:t>
+                      </a:r>
+                    </a:p>
+                  </a:txBody>
+                </a:tc>
+                <a:tc>
+                  <a:txBody>
+                    <a:bodyPr/>
+                    <a:lstStyle/>
+                    <a:p>
+                      <a:pPr lvl="0" marL="0" indent="0" algn="r">
+                        <a:buNone/>
+                      </a:pPr>
+                      <a:r>
+                        <a:rPr/>
+                        <a:t>0.7988073</a:t>
+                      </a:r>
+                    </a:p>
+                  </a:txBody>
+                </a:tc>
+              </a:tr>
+              <a:tr h="0">
+                <a:tc>
+                  <a:txBody>
+                    <a:bodyPr/>
+                    <a:lstStyle/>
+                    <a:p>
+                      <a:pPr lvl="0" marL="0" indent="0" algn="l">
+                        <a:buNone/>
+                      </a:pPr>
+                      <a:r>
+                        <a:rPr/>
+                        <a:t>kivitel_Sedan</a:t>
+                      </a:r>
+                    </a:p>
+                  </a:txBody>
+                </a:tc>
+                <a:tc>
+                  <a:txBody>
+                    <a:bodyPr/>
+                    <a:lstStyle/>
+                    <a:p>
+                      <a:pPr lvl="0" marL="0" indent="0" algn="r">
+                        <a:buNone/>
+                      </a:pPr>
+                      <a:r>
+                        <a:rPr/>
+                        <a:t>670828.8</a:t>
+                      </a:r>
+                    </a:p>
+                  </a:txBody>
+                </a:tc>
+                <a:tc>
+                  <a:txBody>
+                    <a:bodyPr/>
+                    <a:lstStyle/>
+                    <a:p>
+                      <a:pPr lvl="0" marL="0" indent="0" algn="r">
+                        <a:buNone/>
+                      </a:pPr>
+                      <a:r>
+                        <a:rPr/>
+                        <a:t>2498767.2</a:t>
+                      </a:r>
+                    </a:p>
+                  </a:txBody>
+                </a:tc>
+                <a:tc>
+                  <a:txBody>
+                    <a:bodyPr/>
+                    <a:lstStyle/>
+                    <a:p>
+                      <a:pPr lvl="0" marL="0" indent="0" algn="r">
+                        <a:buNone/>
+                      </a:pPr>
+                      <a:r>
+                        <a:rPr/>
+                        <a:t>0.2684639</a:t>
+                      </a:r>
+                    </a:p>
+                  </a:txBody>
+                </a:tc>
+                <a:tc>
+                  <a:txBody>
+                    <a:bodyPr/>
+                    <a:lstStyle/>
+                    <a:p>
+                      <a:pPr lvl="0" marL="0" indent="0" algn="r">
+                        <a:buNone/>
+                      </a:pPr>
+                      <a:r>
+                        <a:rPr/>
+                        <a:t>0.7883431</a:t>
+                      </a:r>
+                    </a:p>
+                  </a:txBody>
+                </a:tc>
+              </a:tr>
+              <a:tr h="0">
+                <a:tc>
+                  <a:txBody>
+                    <a:bodyPr/>
+                    <a:lstStyle/>
+                    <a:p>
+                      <a:pPr lvl="0" marL="0" indent="0" algn="l">
+                        <a:buNone/>
+                      </a:pPr>
+                      <a:r>
+                        <a:rPr/>
+                        <a:t>hajtas_Összkerék</a:t>
+                      </a:r>
+                    </a:p>
+                  </a:txBody>
+                </a:tc>
+                <a:tc>
+                  <a:txBody>
+                    <a:bodyPr/>
+                    <a:lstStyle/>
+                    <a:p>
+                      <a:pPr lvl="0" marL="0" indent="0" algn="r">
+                        <a:buNone/>
+                      </a:pPr>
+                      <a:r>
+                        <a:rPr/>
+                        <a:t>-181989.1</a:t>
+                      </a:r>
+                    </a:p>
+                  </a:txBody>
+                </a:tc>
+                <a:tc>
+                  <a:txBody>
+                    <a:bodyPr/>
+                    <a:lstStyle/>
+                    <a:p>
+                      <a:pPr lvl="0" marL="0" indent="0" algn="r">
+                        <a:buNone/>
+                      </a:pPr>
+                      <a:r>
+                        <a:rPr/>
+                        <a:t>626955.2</a:t>
+                      </a:r>
+                    </a:p>
+                  </a:txBody>
+                </a:tc>
+                <a:tc>
+                  <a:txBody>
+                    <a:bodyPr/>
+                    <a:lstStyle/>
+                    <a:p>
+                      <a:pPr lvl="0" marL="0" indent="0" algn="r">
+                        <a:buNone/>
+                      </a:pPr>
+                      <a:r>
+                        <a:rPr/>
+                        <a:t>-0.2902744</a:t>
+                      </a:r>
+                    </a:p>
+                  </a:txBody>
+                </a:tc>
+                <a:tc>
+                  <a:txBody>
+                    <a:bodyPr/>
+                    <a:lstStyle/>
+                    <a:p>
+                      <a:pPr lvl="0" marL="0" indent="0" algn="r">
+                        <a:buNone/>
+                      </a:pPr>
+                      <a:r>
+                        <a:rPr/>
+                        <a:t>0.7716072</a:t>
+                      </a:r>
+                    </a:p>
+                  </a:txBody>
+                </a:tc>
+              </a:tr>
+            </a:tbl>
+          </a:graphicData>
+        </a:graphic>
+      </p:graphicFrame>
+      <p:sp>
+        <p:nvSpPr>
+          <p:cNvPr id="1" name="TextBox 3"/>
+          <p:cNvSpPr txBox="1"/>
+          <p:nvPr/>
+        </p:nvSpPr>
+        <p:spPr>
+          <a:xfrm>
+            <a:off x="457200" y="5613400"/>
+            <a:ext cx="8229600" cy="508000"/>
+          </a:xfrm>
+          <a:prstGeom prst="rect">
+            <a:avLst/>
+          </a:prstGeom>
+          <a:noFill/>
+        </p:spPr>
+        <p:txBody>
+          <a:bodyPr/>
+          <a:lstStyle/>
+          <a:p>
+            <a:pPr lvl="0" marL="0" indent="0" algn="ctr">
+              <a:buNone/>
+            </a:pPr>
+            <a:r>
+              <a:rPr/>
+              <a:t>Legnagyobb</a:t>
+            </a:r>
+            <a:r>
+              <a:rPr/>
+              <a:t> </a:t>
+            </a:r>
+            <a:r>
+              <a:rPr/>
+              <a:t>T-statisztikával</a:t>
+            </a:r>
+            <a:r>
+              <a:rPr/>
+              <a:t> </a:t>
+            </a:r>
+            <a:r>
+              <a:rPr/>
+              <a:t>rendelkező</a:t>
+            </a:r>
+            <a:r>
+              <a:rPr/>
+              <a:t> </a:t>
+            </a:r>
+            <a:r>
+              <a:rPr/>
+              <a:t>paraméterek</a:t>
             </a:r>
           </a:p>
         </p:txBody>
